--- a/12 Configuration/Configuration.pptx
+++ b/12 Configuration/Configuration.pptx
@@ -5,38 +5,39 @@
     <p:sldMasterId id="2147483648" r:id="rId1"/>
   </p:sldMasterIdLst>
   <p:notesMasterIdLst>
-    <p:notesMasterId r:id="rId31"/>
+    <p:notesMasterId r:id="rId32"/>
   </p:notesMasterIdLst>
   <p:sldIdLst>
     <p:sldId id="256" r:id="rId2"/>
     <p:sldId id="258" r:id="rId3"/>
     <p:sldId id="310" r:id="rId4"/>
-    <p:sldId id="311" r:id="rId5"/>
-    <p:sldId id="334" r:id="rId6"/>
-    <p:sldId id="312" r:id="rId7"/>
-    <p:sldId id="319" r:id="rId8"/>
-    <p:sldId id="328" r:id="rId9"/>
-    <p:sldId id="321" r:id="rId10"/>
-    <p:sldId id="329" r:id="rId11"/>
-    <p:sldId id="331" r:id="rId12"/>
-    <p:sldId id="335" r:id="rId13"/>
-    <p:sldId id="336" r:id="rId14"/>
-    <p:sldId id="325" r:id="rId15"/>
-    <p:sldId id="324" r:id="rId16"/>
-    <p:sldId id="322" r:id="rId17"/>
-    <p:sldId id="323" r:id="rId18"/>
-    <p:sldId id="332" r:id="rId19"/>
-    <p:sldId id="326" r:id="rId20"/>
-    <p:sldId id="309" r:id="rId21"/>
-    <p:sldId id="333" r:id="rId22"/>
-    <p:sldId id="327" r:id="rId23"/>
-    <p:sldId id="314" r:id="rId24"/>
-    <p:sldId id="318" r:id="rId25"/>
-    <p:sldId id="315" r:id="rId26"/>
-    <p:sldId id="316" r:id="rId27"/>
-    <p:sldId id="317" r:id="rId28"/>
-    <p:sldId id="259" r:id="rId29"/>
-    <p:sldId id="257" r:id="rId30"/>
+    <p:sldId id="337" r:id="rId5"/>
+    <p:sldId id="311" r:id="rId6"/>
+    <p:sldId id="334" r:id="rId7"/>
+    <p:sldId id="312" r:id="rId8"/>
+    <p:sldId id="319" r:id="rId9"/>
+    <p:sldId id="328" r:id="rId10"/>
+    <p:sldId id="321" r:id="rId11"/>
+    <p:sldId id="329" r:id="rId12"/>
+    <p:sldId id="331" r:id="rId13"/>
+    <p:sldId id="335" r:id="rId14"/>
+    <p:sldId id="336" r:id="rId15"/>
+    <p:sldId id="325" r:id="rId16"/>
+    <p:sldId id="324" r:id="rId17"/>
+    <p:sldId id="322" r:id="rId18"/>
+    <p:sldId id="323" r:id="rId19"/>
+    <p:sldId id="332" r:id="rId20"/>
+    <p:sldId id="326" r:id="rId21"/>
+    <p:sldId id="309" r:id="rId22"/>
+    <p:sldId id="333" r:id="rId23"/>
+    <p:sldId id="327" r:id="rId24"/>
+    <p:sldId id="314" r:id="rId25"/>
+    <p:sldId id="318" r:id="rId26"/>
+    <p:sldId id="315" r:id="rId27"/>
+    <p:sldId id="316" r:id="rId28"/>
+    <p:sldId id="317" r:id="rId29"/>
+    <p:sldId id="259" r:id="rId30"/>
+    <p:sldId id="257" r:id="rId31"/>
   </p:sldIdLst>
   <p:sldSz cx="12192000" cy="6858000"/>
   <p:notesSz cx="6858000" cy="9144000"/>
@@ -225,7 +226,7 @@
           <a:p>
             <a:fld id="{C3D45B35-5990-4A22-9246-3EAB55A12994}" type="datetimeFigureOut">
               <a:rPr lang="da-DK" smtClean="0"/>
-              <a:t>22.11.2021</a:t>
+              <a:t>14-11-2024</a:t>
             </a:fld>
             <a:endParaRPr lang="da-DK"/>
           </a:p>
@@ -928,7 +929,7 @@
           <a:p>
             <a:fld id="{E41AB761-37ED-4EFA-99FC-D346B55B115C}" type="slidenum">
               <a:rPr lang="da-DK" smtClean="0"/>
-              <a:t>14</a:t>
+              <a:t>15</a:t>
             </a:fld>
             <a:endParaRPr lang="da-DK"/>
           </a:p>
@@ -1012,7 +1013,7 @@
           <a:p>
             <a:fld id="{E41AB761-37ED-4EFA-99FC-D346B55B115C}" type="slidenum">
               <a:rPr lang="da-DK" smtClean="0"/>
-              <a:t>16</a:t>
+              <a:t>17</a:t>
             </a:fld>
             <a:endParaRPr lang="da-DK"/>
           </a:p>
@@ -1096,7 +1097,7 @@
           <a:p>
             <a:fld id="{E41AB761-37ED-4EFA-99FC-D346B55B115C}" type="slidenum">
               <a:rPr lang="da-DK" smtClean="0"/>
-              <a:t>17</a:t>
+              <a:t>18</a:t>
             </a:fld>
             <a:endParaRPr lang="da-DK"/>
           </a:p>
@@ -1180,7 +1181,7 @@
           <a:p>
             <a:fld id="{E41AB761-37ED-4EFA-99FC-D346B55B115C}" type="slidenum">
               <a:rPr lang="da-DK" smtClean="0"/>
-              <a:t>18</a:t>
+              <a:t>19</a:t>
             </a:fld>
             <a:endParaRPr lang="da-DK"/>
           </a:p>
@@ -1264,7 +1265,7 @@
           <a:p>
             <a:fld id="{E41AB761-37ED-4EFA-99FC-D346B55B115C}" type="slidenum">
               <a:rPr lang="da-DK" smtClean="0"/>
-              <a:t>19</a:t>
+              <a:t>20</a:t>
             </a:fld>
             <a:endParaRPr lang="da-DK"/>
           </a:p>
@@ -1348,7 +1349,7 @@
           <a:p>
             <a:fld id="{E41AB761-37ED-4EFA-99FC-D346B55B115C}" type="slidenum">
               <a:rPr lang="da-DK" smtClean="0"/>
-              <a:t>20</a:t>
+              <a:t>21</a:t>
             </a:fld>
             <a:endParaRPr lang="da-DK"/>
           </a:p>
@@ -1432,7 +1433,7 @@
           <a:p>
             <a:fld id="{E41AB761-37ED-4EFA-99FC-D346B55B115C}" type="slidenum">
               <a:rPr lang="da-DK" smtClean="0"/>
-              <a:t>23</a:t>
+              <a:t>24</a:t>
             </a:fld>
             <a:endParaRPr lang="da-DK"/>
           </a:p>
@@ -1516,7 +1517,7 @@
           <a:p>
             <a:fld id="{E41AB761-37ED-4EFA-99FC-D346B55B115C}" type="slidenum">
               <a:rPr lang="da-DK" smtClean="0"/>
-              <a:t>25</a:t>
+              <a:t>26</a:t>
             </a:fld>
             <a:endParaRPr lang="da-DK"/>
           </a:p>
@@ -1600,7 +1601,7 @@
           <a:p>
             <a:fld id="{E41AB761-37ED-4EFA-99FC-D346B55B115C}" type="slidenum">
               <a:rPr lang="da-DK" smtClean="0"/>
-              <a:t>26</a:t>
+              <a:t>27</a:t>
             </a:fld>
             <a:endParaRPr lang="da-DK"/>
           </a:p>
@@ -1684,7 +1685,7 @@
           <a:p>
             <a:fld id="{E41AB761-37ED-4EFA-99FC-D346B55B115C}" type="slidenum">
               <a:rPr lang="da-DK" smtClean="0"/>
-              <a:t>27</a:t>
+              <a:t>28</a:t>
             </a:fld>
             <a:endParaRPr lang="da-DK"/>
           </a:p>
@@ -1803,7 +1804,7 @@
           <a:p>
             <a:fld id="{D4B42F7E-C03E-4A75-829B-A53EDB2B71A1}" type="slidenum">
               <a:rPr lang="en-US" smtClean="0"/>
-              <a:t>4</a:t>
+              <a:t>5</a:t>
             </a:fld>
             <a:endParaRPr lang="en-US"/>
           </a:p>
@@ -1987,7 +1988,7 @@
           <a:p>
             <a:fld id="{E41AB761-37ED-4EFA-99FC-D346B55B115C}" type="slidenum">
               <a:rPr lang="da-DK" smtClean="0"/>
-              <a:t>5</a:t>
+              <a:t>6</a:t>
             </a:fld>
             <a:endParaRPr lang="da-DK"/>
           </a:p>
@@ -2347,7 +2348,7 @@
           <a:p>
             <a:fld id="{E41AB761-37ED-4EFA-99FC-D346B55B115C}" type="slidenum">
               <a:rPr lang="da-DK" smtClean="0"/>
-              <a:t>6</a:t>
+              <a:t>7</a:t>
             </a:fld>
             <a:endParaRPr lang="da-DK"/>
           </a:p>
@@ -2431,7 +2432,7 @@
           <a:p>
             <a:fld id="{E41AB761-37ED-4EFA-99FC-D346B55B115C}" type="slidenum">
               <a:rPr lang="da-DK" smtClean="0"/>
-              <a:t>9</a:t>
+              <a:t>10</a:t>
             </a:fld>
             <a:endParaRPr lang="da-DK"/>
           </a:p>
@@ -2515,7 +2516,7 @@
           <a:p>
             <a:fld id="{E41AB761-37ED-4EFA-99FC-D346B55B115C}" type="slidenum">
               <a:rPr lang="da-DK" smtClean="0"/>
-              <a:t>10</a:t>
+              <a:t>11</a:t>
             </a:fld>
             <a:endParaRPr lang="da-DK"/>
           </a:p>
@@ -2599,7 +2600,7 @@
           <a:p>
             <a:fld id="{E41AB761-37ED-4EFA-99FC-D346B55B115C}" type="slidenum">
               <a:rPr lang="da-DK" smtClean="0"/>
-              <a:t>11</a:t>
+              <a:t>12</a:t>
             </a:fld>
             <a:endParaRPr lang="da-DK"/>
           </a:p>
@@ -2683,7 +2684,7 @@
           <a:p>
             <a:fld id="{E41AB761-37ED-4EFA-99FC-D346B55B115C}" type="slidenum">
               <a:rPr lang="da-DK" smtClean="0"/>
-              <a:t>12</a:t>
+              <a:t>13</a:t>
             </a:fld>
             <a:endParaRPr lang="da-DK"/>
           </a:p>
@@ -2767,7 +2768,7 @@
           <a:p>
             <a:fld id="{E41AB761-37ED-4EFA-99FC-D346B55B115C}" type="slidenum">
               <a:rPr lang="da-DK" smtClean="0"/>
-              <a:t>13</a:t>
+              <a:t>14</a:t>
             </a:fld>
             <a:endParaRPr lang="da-DK"/>
           </a:p>
@@ -6130,24 +6131,22 @@
         </p:nvSpPr>
         <p:spPr/>
         <p:txBody>
-          <a:bodyPr>
-            <a:normAutofit/>
-          </a:bodyPr>
+          <a:bodyPr/>
           <a:lstStyle/>
           <a:p>
             <a:r>
-              <a:rPr lang="en-GB" sz="3600" dirty="0" err="1"/>
+              <a:rPr lang="da-DK" dirty="0" err="1"/>
               <a:t>JsonSerializer</a:t>
             </a:r>
             <a:r>
-              <a:rPr lang="da-DK" sz="3600" dirty="0"/>
-              <a:t> – Save the </a:t>
-            </a:r>
-            <a:r>
-              <a:rPr lang="da-DK" sz="3600" dirty="0" err="1"/>
-              <a:t>configuration</a:t>
-            </a:r>
-            <a:endParaRPr lang="da-DK" sz="3600" dirty="0"/>
+              <a:rPr lang="da-DK" dirty="0"/>
+              <a:t> – Configuration </a:t>
+            </a:r>
+            <a:r>
+              <a:rPr lang="da-DK" dirty="0" err="1"/>
+              <a:t>object</a:t>
+            </a:r>
+            <a:endParaRPr lang="da-DK" dirty="0"/>
           </a:p>
         </p:txBody>
       </p:sp>
@@ -6159,7 +6158,7 @@
         </p:nvSpPr>
         <p:spPr>
           <a:xfrm>
-            <a:off x="503364" y="1286565"/>
+            <a:off x="503364" y="1311965"/>
             <a:ext cx="6996662" cy="5400120"/>
           </a:xfrm>
           <a:prstGeom prst="rect">
@@ -6190,17 +6189,17 @@
           <a:lstStyle/>
           <a:p>
             <a:r>
-              <a:rPr lang="en-US" sz="1600" dirty="0">
+              <a:rPr lang="en-GB" dirty="0">
                 <a:solidFill>
                   <a:schemeClr val="tx1"/>
                 </a:solidFill>
                 <a:latin typeface="Consolas" panose="020B0609020204030204" pitchFamily="49" charset="0"/>
                 <a:cs typeface="Consolas" panose="020B0609020204030204" pitchFamily="49" charset="0"/>
               </a:rPr>
-              <a:t>public void Save(</a:t>
-            </a:r>
-            <a:r>
-              <a:rPr lang="en-US" sz="1600" dirty="0" err="1">
+              <a:t>public class </a:t>
+            </a:r>
+            <a:r>
+              <a:rPr lang="en-GB" dirty="0" err="1">
                 <a:solidFill>
                   <a:schemeClr val="tx1"/>
                 </a:solidFill>
@@ -6208,124 +6207,6 @@
                 <a:cs typeface="Consolas" panose="020B0609020204030204" pitchFamily="49" charset="0"/>
               </a:rPr>
               <a:t>AlarmSettings</a:t>
-            </a:r>
-            <a:r>
-              <a:rPr lang="en-US" sz="1600" dirty="0">
-                <a:solidFill>
-                  <a:schemeClr val="tx1"/>
-                </a:solidFill>
-                <a:latin typeface="Consolas" panose="020B0609020204030204" pitchFamily="49" charset="0"/>
-                <a:cs typeface="Consolas" panose="020B0609020204030204" pitchFamily="49" charset="0"/>
-              </a:rPr>
-              <a:t> </a:t>
-            </a:r>
-            <a:r>
-              <a:rPr lang="en-US" sz="1600" dirty="0" err="1">
-                <a:solidFill>
-                  <a:schemeClr val="tx1"/>
-                </a:solidFill>
-                <a:latin typeface="Consolas" panose="020B0609020204030204" pitchFamily="49" charset="0"/>
-                <a:cs typeface="Consolas" panose="020B0609020204030204" pitchFamily="49" charset="0"/>
-              </a:rPr>
-              <a:t>alarmSettings</a:t>
-            </a:r>
-            <a:r>
-              <a:rPr lang="en-US" sz="1600" dirty="0">
-                <a:solidFill>
-                  <a:schemeClr val="tx1"/>
-                </a:solidFill>
-                <a:latin typeface="Consolas" panose="020B0609020204030204" pitchFamily="49" charset="0"/>
-                <a:cs typeface="Consolas" panose="020B0609020204030204" pitchFamily="49" charset="0"/>
-              </a:rPr>
-              <a:t>, </a:t>
-            </a:r>
-          </a:p>
-          <a:p>
-            <a:r>
-              <a:rPr lang="en-US" sz="1600" dirty="0">
-                <a:solidFill>
-                  <a:schemeClr val="tx1"/>
-                </a:solidFill>
-                <a:latin typeface="Consolas" panose="020B0609020204030204" pitchFamily="49" charset="0"/>
-                <a:cs typeface="Consolas" panose="020B0609020204030204" pitchFamily="49" charset="0"/>
-              </a:rPr>
-              <a:t>		string path)</a:t>
-            </a:r>
-          </a:p>
-          <a:p>
-            <a:r>
-              <a:rPr lang="en-US" sz="1600" dirty="0">
-                <a:solidFill>
-                  <a:schemeClr val="tx1"/>
-                </a:solidFill>
-                <a:latin typeface="Consolas" panose="020B0609020204030204" pitchFamily="49" charset="0"/>
-                <a:cs typeface="Consolas" panose="020B0609020204030204" pitchFamily="49" charset="0"/>
-              </a:rPr>
-              <a:t>{</a:t>
-            </a:r>
-          </a:p>
-          <a:p>
-            <a:r>
-              <a:rPr lang="en-GB" dirty="0">
-                <a:solidFill>
-                  <a:schemeClr val="tx1"/>
-                </a:solidFill>
-                <a:latin typeface="Consolas" panose="020B0609020204030204" pitchFamily="49" charset="0"/>
-                <a:cs typeface="Consolas" panose="020B0609020204030204" pitchFamily="49" charset="0"/>
-              </a:rPr>
-              <a:t>    string json = </a:t>
-            </a:r>
-          </a:p>
-          <a:p>
-            <a:r>
-              <a:rPr lang="en-GB" dirty="0">
-                <a:solidFill>
-                  <a:schemeClr val="tx1"/>
-                </a:solidFill>
-                <a:latin typeface="Consolas" panose="020B0609020204030204" pitchFamily="49" charset="0"/>
-                <a:cs typeface="Consolas" panose="020B0609020204030204" pitchFamily="49" charset="0"/>
-              </a:rPr>
-              <a:t>        </a:t>
-            </a:r>
-            <a:r>
-              <a:rPr lang="en-GB" dirty="0" err="1">
-                <a:solidFill>
-                  <a:schemeClr val="tx1"/>
-                </a:solidFill>
-                <a:latin typeface="Consolas" panose="020B0609020204030204" pitchFamily="49" charset="0"/>
-                <a:cs typeface="Consolas" panose="020B0609020204030204" pitchFamily="49" charset="0"/>
-              </a:rPr>
-              <a:t>JsonSerializer.Serialize</a:t>
-            </a:r>
-            <a:r>
-              <a:rPr lang="en-GB" dirty="0">
-                <a:solidFill>
-                  <a:schemeClr val="tx1"/>
-                </a:solidFill>
-                <a:latin typeface="Consolas" panose="020B0609020204030204" pitchFamily="49" charset="0"/>
-                <a:cs typeface="Consolas" panose="020B0609020204030204" pitchFamily="49" charset="0"/>
-              </a:rPr>
-              <a:t>(</a:t>
-            </a:r>
-            <a:r>
-              <a:rPr lang="en-GB" dirty="0" err="1">
-                <a:solidFill>
-                  <a:schemeClr val="tx1"/>
-                </a:solidFill>
-                <a:latin typeface="Consolas" panose="020B0609020204030204" pitchFamily="49" charset="0"/>
-                <a:cs typeface="Consolas" panose="020B0609020204030204" pitchFamily="49" charset="0"/>
-              </a:rPr>
-              <a:t>alarmSettings</a:t>
-            </a:r>
-            <a:r>
-              <a:rPr lang="en-GB" dirty="0">
-                <a:solidFill>
-                  <a:schemeClr val="tx1"/>
-                </a:solidFill>
-                <a:latin typeface="Consolas" panose="020B0609020204030204" pitchFamily="49" charset="0"/>
-                <a:cs typeface="Consolas" panose="020B0609020204030204" pitchFamily="49" charset="0"/>
-              </a:rPr>
-              <a:t>);</a:t>
             </a:r>
             <a:br>
               <a:rPr lang="en-GB" dirty="0">
@@ -6344,7 +6225,26 @@
                 <a:latin typeface="Consolas" panose="020B0609020204030204" pitchFamily="49" charset="0"/>
                 <a:cs typeface="Consolas" panose="020B0609020204030204" pitchFamily="49" charset="0"/>
               </a:rPr>
-              <a:t>    </a:t>
+              <a:t>{</a:t>
+            </a:r>
+            <a:br>
+              <a:rPr lang="en-GB" dirty="0">
+                <a:solidFill>
+                  <a:schemeClr val="tx1"/>
+                </a:solidFill>
+                <a:latin typeface="Consolas" panose="020B0609020204030204" pitchFamily="49" charset="0"/>
+                <a:cs typeface="Consolas" panose="020B0609020204030204" pitchFamily="49" charset="0"/>
+              </a:rPr>
+            </a:br>
+            <a:r>
+              <a:rPr lang="en-GB" dirty="0">
+                <a:solidFill>
+                  <a:schemeClr val="tx1"/>
+                </a:solidFill>
+                <a:latin typeface="Consolas" panose="020B0609020204030204" pitchFamily="49" charset="0"/>
+                <a:cs typeface="Consolas" panose="020B0609020204030204" pitchFamily="49" charset="0"/>
+              </a:rPr>
+              <a:t>    public </a:t>
             </a:r>
             <a:r>
               <a:rPr lang="en-GB" dirty="0" err="1">
@@ -6354,7 +6254,7 @@
                 <a:latin typeface="Consolas" panose="020B0609020204030204" pitchFamily="49" charset="0"/>
                 <a:cs typeface="Consolas" panose="020B0609020204030204" pitchFamily="49" charset="0"/>
               </a:rPr>
-              <a:t>File.WriteAllText</a:t>
+              <a:t>enum</a:t>
             </a:r>
             <a:r>
               <a:rPr lang="en-GB" dirty="0">
@@ -6364,20 +6264,259 @@
                 <a:latin typeface="Consolas" panose="020B0609020204030204" pitchFamily="49" charset="0"/>
                 <a:cs typeface="Consolas" panose="020B0609020204030204" pitchFamily="49" charset="0"/>
               </a:rPr>
-              <a:t>(path, json);</a:t>
-            </a:r>
-          </a:p>
-          <a:p>
-            <a:r>
-              <a:rPr lang="en-US" sz="1600" dirty="0">
+              <a:t> </a:t>
+            </a:r>
+            <a:r>
+              <a:rPr lang="en-GB" dirty="0" err="1">
                 <a:solidFill>
                   <a:schemeClr val="tx1"/>
                 </a:solidFill>
                 <a:latin typeface="Consolas" panose="020B0609020204030204" pitchFamily="49" charset="0"/>
                 <a:cs typeface="Consolas" panose="020B0609020204030204" pitchFamily="49" charset="0"/>
               </a:rPr>
+              <a:t>TimeFormatEnum</a:t>
+            </a:r>
+            <a:br>
+              <a:rPr lang="en-GB" dirty="0">
+                <a:solidFill>
+                  <a:schemeClr val="tx1"/>
+                </a:solidFill>
+                <a:latin typeface="Consolas" panose="020B0609020204030204" pitchFamily="49" charset="0"/>
+                <a:cs typeface="Consolas" panose="020B0609020204030204" pitchFamily="49" charset="0"/>
+              </a:rPr>
+            </a:br>
+            <a:r>
+              <a:rPr lang="en-GB" dirty="0">
+                <a:solidFill>
+                  <a:schemeClr val="tx1"/>
+                </a:solidFill>
+                <a:latin typeface="Consolas" panose="020B0609020204030204" pitchFamily="49" charset="0"/>
+                <a:cs typeface="Consolas" panose="020B0609020204030204" pitchFamily="49" charset="0"/>
+              </a:rPr>
+              <a:t>    {</a:t>
+            </a:r>
+            <a:br>
+              <a:rPr lang="en-GB" dirty="0">
+                <a:solidFill>
+                  <a:schemeClr val="tx1"/>
+                </a:solidFill>
+                <a:latin typeface="Consolas" panose="020B0609020204030204" pitchFamily="49" charset="0"/>
+                <a:cs typeface="Consolas" panose="020B0609020204030204" pitchFamily="49" charset="0"/>
+              </a:rPr>
+            </a:br>
+            <a:r>
+              <a:rPr lang="en-GB" dirty="0">
+                <a:solidFill>
+                  <a:schemeClr val="tx1"/>
+                </a:solidFill>
+                <a:latin typeface="Consolas" panose="020B0609020204030204" pitchFamily="49" charset="0"/>
+                <a:cs typeface="Consolas" panose="020B0609020204030204" pitchFamily="49" charset="0"/>
+              </a:rPr>
+              <a:t>        </a:t>
+            </a:r>
+            <a:r>
+              <a:rPr lang="en-GB" b="1" dirty="0">
+                <a:solidFill>
+                  <a:schemeClr val="tx1"/>
+                </a:solidFill>
+                <a:latin typeface="Consolas" panose="020B0609020204030204" pitchFamily="49" charset="0"/>
+                <a:cs typeface="Consolas" panose="020B0609020204030204" pitchFamily="49" charset="0"/>
+              </a:rPr>
+              <a:t>H12</a:t>
+            </a:r>
+            <a:r>
+              <a:rPr lang="en-GB" dirty="0">
+                <a:solidFill>
+                  <a:schemeClr val="tx1"/>
+                </a:solidFill>
+                <a:latin typeface="Consolas" panose="020B0609020204030204" pitchFamily="49" charset="0"/>
+                <a:cs typeface="Consolas" panose="020B0609020204030204" pitchFamily="49" charset="0"/>
+              </a:rPr>
+              <a:t>,</a:t>
+            </a:r>
+            <a:br>
+              <a:rPr lang="en-GB" dirty="0">
+                <a:solidFill>
+                  <a:schemeClr val="tx1"/>
+                </a:solidFill>
+                <a:latin typeface="Consolas" panose="020B0609020204030204" pitchFamily="49" charset="0"/>
+                <a:cs typeface="Consolas" panose="020B0609020204030204" pitchFamily="49" charset="0"/>
+              </a:rPr>
+            </a:br>
+            <a:r>
+              <a:rPr lang="en-GB" dirty="0">
+                <a:solidFill>
+                  <a:schemeClr val="tx1"/>
+                </a:solidFill>
+                <a:latin typeface="Consolas" panose="020B0609020204030204" pitchFamily="49" charset="0"/>
+                <a:cs typeface="Consolas" panose="020B0609020204030204" pitchFamily="49" charset="0"/>
+              </a:rPr>
+              <a:t>        H24</a:t>
+            </a:r>
+            <a:br>
+              <a:rPr lang="en-GB" dirty="0">
+                <a:solidFill>
+                  <a:schemeClr val="tx1"/>
+                </a:solidFill>
+                <a:latin typeface="Consolas" panose="020B0609020204030204" pitchFamily="49" charset="0"/>
+                <a:cs typeface="Consolas" panose="020B0609020204030204" pitchFamily="49" charset="0"/>
+              </a:rPr>
+            </a:br>
+            <a:r>
+              <a:rPr lang="en-GB" dirty="0">
+                <a:solidFill>
+                  <a:schemeClr val="tx1"/>
+                </a:solidFill>
+                <a:latin typeface="Consolas" panose="020B0609020204030204" pitchFamily="49" charset="0"/>
+                <a:cs typeface="Consolas" panose="020B0609020204030204" pitchFamily="49" charset="0"/>
+              </a:rPr>
+              <a:t>    }</a:t>
+            </a:r>
+          </a:p>
+          <a:p>
+            <a:br>
+              <a:rPr lang="en-GB" dirty="0">
+                <a:solidFill>
+                  <a:schemeClr val="tx1"/>
+                </a:solidFill>
+                <a:latin typeface="Consolas" panose="020B0609020204030204" pitchFamily="49" charset="0"/>
+                <a:cs typeface="Consolas" panose="020B0609020204030204" pitchFamily="49" charset="0"/>
+              </a:rPr>
+            </a:br>
+            <a:r>
+              <a:rPr lang="en-GB" dirty="0">
+                <a:solidFill>
+                  <a:schemeClr val="tx1"/>
+                </a:solidFill>
+                <a:latin typeface="Consolas" panose="020B0609020204030204" pitchFamily="49" charset="0"/>
+                <a:cs typeface="Consolas" panose="020B0609020204030204" pitchFamily="49" charset="0"/>
+              </a:rPr>
+              <a:t>    public </a:t>
+            </a:r>
+            <a:r>
+              <a:rPr lang="en-GB" dirty="0" err="1">
+                <a:solidFill>
+                  <a:schemeClr val="tx1"/>
+                </a:solidFill>
+                <a:latin typeface="Consolas" panose="020B0609020204030204" pitchFamily="49" charset="0"/>
+                <a:cs typeface="Consolas" panose="020B0609020204030204" pitchFamily="49" charset="0"/>
+              </a:rPr>
+              <a:t>TimeFormatEnum</a:t>
+            </a:r>
+            <a:r>
+              <a:rPr lang="en-GB" dirty="0">
+                <a:solidFill>
+                  <a:schemeClr val="tx1"/>
+                </a:solidFill>
+                <a:latin typeface="Consolas" panose="020B0609020204030204" pitchFamily="49" charset="0"/>
+                <a:cs typeface="Consolas" panose="020B0609020204030204" pitchFamily="49" charset="0"/>
+              </a:rPr>
+              <a:t> </a:t>
+            </a:r>
+            <a:r>
+              <a:rPr lang="en-GB" dirty="0" err="1">
+                <a:solidFill>
+                  <a:schemeClr val="tx1"/>
+                </a:solidFill>
+                <a:latin typeface="Consolas" panose="020B0609020204030204" pitchFamily="49" charset="0"/>
+                <a:cs typeface="Consolas" panose="020B0609020204030204" pitchFamily="49" charset="0"/>
+              </a:rPr>
+              <a:t>TimeFormat</a:t>
+            </a:r>
+            <a:r>
+              <a:rPr lang="en-GB" dirty="0">
+                <a:solidFill>
+                  <a:schemeClr val="tx1"/>
+                </a:solidFill>
+                <a:latin typeface="Consolas" panose="020B0609020204030204" pitchFamily="49" charset="0"/>
+                <a:cs typeface="Consolas" panose="020B0609020204030204" pitchFamily="49" charset="0"/>
+              </a:rPr>
+              <a:t> { get; set; }</a:t>
+            </a:r>
+            <a:br>
+              <a:rPr lang="en-GB" dirty="0">
+                <a:solidFill>
+                  <a:schemeClr val="tx1"/>
+                </a:solidFill>
+                <a:latin typeface="Consolas" panose="020B0609020204030204" pitchFamily="49" charset="0"/>
+                <a:cs typeface="Consolas" panose="020B0609020204030204" pitchFamily="49" charset="0"/>
+              </a:rPr>
+            </a:br>
+            <a:r>
+              <a:rPr lang="en-GB" dirty="0">
+                <a:solidFill>
+                  <a:schemeClr val="tx1"/>
+                </a:solidFill>
+                <a:latin typeface="Consolas" panose="020B0609020204030204" pitchFamily="49" charset="0"/>
+                <a:cs typeface="Consolas" panose="020B0609020204030204" pitchFamily="49" charset="0"/>
+              </a:rPr>
+              <a:t>    public bool </a:t>
+            </a:r>
+            <a:r>
+              <a:rPr lang="en-GB" dirty="0" err="1">
+                <a:solidFill>
+                  <a:schemeClr val="tx1"/>
+                </a:solidFill>
+                <a:latin typeface="Consolas" panose="020B0609020204030204" pitchFamily="49" charset="0"/>
+                <a:cs typeface="Consolas" panose="020B0609020204030204" pitchFamily="49" charset="0"/>
+              </a:rPr>
+              <a:t>AlarmIsOn</a:t>
+            </a:r>
+            <a:r>
+              <a:rPr lang="en-GB" dirty="0">
+                <a:solidFill>
+                  <a:schemeClr val="tx1"/>
+                </a:solidFill>
+                <a:latin typeface="Consolas" panose="020B0609020204030204" pitchFamily="49" charset="0"/>
+                <a:cs typeface="Consolas" panose="020B0609020204030204" pitchFamily="49" charset="0"/>
+              </a:rPr>
+              <a:t> { get; set; }</a:t>
+            </a:r>
+            <a:br>
+              <a:rPr lang="en-GB" dirty="0">
+                <a:solidFill>
+                  <a:schemeClr val="tx1"/>
+                </a:solidFill>
+                <a:latin typeface="Consolas" panose="020B0609020204030204" pitchFamily="49" charset="0"/>
+                <a:cs typeface="Consolas" panose="020B0609020204030204" pitchFamily="49" charset="0"/>
+              </a:rPr>
+            </a:br>
+            <a:r>
+              <a:rPr lang="en-GB" dirty="0">
+                <a:solidFill>
+                  <a:schemeClr val="tx1"/>
+                </a:solidFill>
+                <a:latin typeface="Consolas" panose="020B0609020204030204" pitchFamily="49" charset="0"/>
+                <a:cs typeface="Consolas" panose="020B0609020204030204" pitchFamily="49" charset="0"/>
+              </a:rPr>
+              <a:t>    public string Locale { get; set; }</a:t>
+            </a:r>
+            <a:br>
+              <a:rPr lang="en-GB" dirty="0">
+                <a:solidFill>
+                  <a:schemeClr val="tx1"/>
+                </a:solidFill>
+                <a:latin typeface="Consolas" panose="020B0609020204030204" pitchFamily="49" charset="0"/>
+                <a:cs typeface="Consolas" panose="020B0609020204030204" pitchFamily="49" charset="0"/>
+              </a:rPr>
+            </a:br>
+            <a:r>
+              <a:rPr lang="en-GB" dirty="0">
+                <a:solidFill>
+                  <a:schemeClr val="tx1"/>
+                </a:solidFill>
+                <a:latin typeface="Consolas" panose="020B0609020204030204" pitchFamily="49" charset="0"/>
+                <a:cs typeface="Consolas" panose="020B0609020204030204" pitchFamily="49" charset="0"/>
+              </a:rPr>
               <a:t>}</a:t>
             </a:r>
+            <a:endParaRPr lang="en-US" sz="1600" dirty="0">
+              <a:solidFill>
+                <a:schemeClr val="tx1"/>
+              </a:solidFill>
+              <a:latin typeface="Consolas" panose="020B0609020204030204" pitchFamily="49" charset="0"/>
+              <a:cs typeface="Consolas" panose="020B0609020204030204" pitchFamily="49" charset="0"/>
+            </a:endParaRPr>
           </a:p>
         </p:txBody>
       </p:sp>
@@ -6423,7 +6562,7 @@
           <a:lstStyle/>
           <a:p>
             <a:r>
-              <a:rPr lang="en-GB" dirty="0">
+              <a:rPr lang="en-GB" sz="1400" dirty="0">
                 <a:solidFill>
                   <a:schemeClr val="tx1"/>
                 </a:solidFill>
@@ -6433,7 +6572,7 @@
           </a:p>
           <a:p>
             <a:r>
-              <a:rPr lang="en-GB" dirty="0">
+              <a:rPr lang="en-GB" sz="1400" dirty="0">
                 <a:solidFill>
                   <a:schemeClr val="tx1"/>
                 </a:solidFill>
@@ -6443,17 +6582,7 @@
           </a:p>
           <a:p>
             <a:r>
-              <a:rPr lang="en-GB" dirty="0">
-                <a:solidFill>
-                  <a:schemeClr val="tx1"/>
-                </a:solidFill>
-              </a:rPr>
-              <a:t>  "AlarmIsOn":false,</a:t>
-            </a:r>
-          </a:p>
-          <a:p>
-            <a:r>
-              <a:rPr lang="en-GB" dirty="0">
+              <a:rPr lang="en-GB" sz="1400" dirty="0">
                 <a:solidFill>
                   <a:schemeClr val="tx1"/>
                 </a:solidFill>
@@ -6461,7 +6590,33 @@
               <a:t>  "</a:t>
             </a:r>
             <a:r>
-              <a:rPr lang="en-GB" dirty="0" err="1">
+              <a:rPr lang="en-GB" sz="1400" dirty="0" err="1">
+                <a:solidFill>
+                  <a:schemeClr val="tx1"/>
+                </a:solidFill>
+              </a:rPr>
+              <a:t>AlarmIsOn</a:t>
+            </a:r>
+            <a:r>
+              <a:rPr lang="en-GB" sz="1400" dirty="0">
+                <a:solidFill>
+                  <a:schemeClr val="tx1"/>
+                </a:solidFill>
+              </a:rPr>
+              <a:t>":false,</a:t>
+            </a:r>
+          </a:p>
+          <a:p>
+            <a:r>
+              <a:rPr lang="en-GB" sz="1400" dirty="0">
+                <a:solidFill>
+                  <a:schemeClr val="tx1"/>
+                </a:solidFill>
+              </a:rPr>
+              <a:t>  "</a:t>
+            </a:r>
+            <a:r>
+              <a:rPr lang="en-GB" sz="1400" dirty="0" err="1">
                 <a:solidFill>
                   <a:schemeClr val="tx1"/>
                 </a:solidFill>
@@ -6469,7 +6624,7 @@
               <a:t>Locale":"DK</a:t>
             </a:r>
             <a:r>
-              <a:rPr lang="en-GB" dirty="0">
+              <a:rPr lang="en-GB" sz="1400" dirty="0">
                 <a:solidFill>
                   <a:schemeClr val="tx1"/>
                 </a:solidFill>
@@ -6479,14 +6634,14 @@
           </a:p>
           <a:p>
             <a:r>
-              <a:rPr lang="en-GB" dirty="0">
+              <a:rPr lang="en-GB" sz="1400" dirty="0">
                 <a:solidFill>
                   <a:schemeClr val="tx1"/>
                 </a:solidFill>
               </a:rPr>
               <a:t>}</a:t>
             </a:r>
-            <a:endParaRPr lang="en-US" sz="1400" dirty="0">
+            <a:endParaRPr lang="en-US" sz="1100" dirty="0">
               <a:solidFill>
                 <a:schemeClr val="tx1"/>
               </a:solidFill>
@@ -6512,54 +6667,242 @@
         </p:spPr>
         <p:txBody>
           <a:bodyPr vert="horz" wrap="square" lIns="91440" tIns="45720" rIns="91440" bIns="45720" rtlCol="0" anchor="t">
-            <a:normAutofit/>
+            <a:normAutofit fontScale="77500" lnSpcReduction="20000"/>
           </a:bodyPr>
           <a:lstStyle/>
           <a:p>
             <a:r>
-              <a:rPr lang="da-DK" sz="2400" dirty="0" err="1">
+              <a:rPr lang="da-DK" sz="2800" dirty="0">
                 <a:latin typeface="Gill Sans MT" panose="020B0502020104020203" pitchFamily="34" charset="0"/>
               </a:rPr>
-              <a:t>Use</a:t>
-            </a:r>
-            <a:r>
-              <a:rPr lang="da-DK" sz="2400" dirty="0">
+              <a:t>The </a:t>
+            </a:r>
+            <a:r>
+              <a:rPr lang="da-DK" sz="2800" dirty="0" err="1">
                 <a:latin typeface="Gill Sans MT" panose="020B0502020104020203" pitchFamily="34" charset="0"/>
               </a:rPr>
-              <a:t> the </a:t>
-            </a:r>
-            <a:r>
-              <a:rPr lang="da-DK" sz="2400" dirty="0" err="1">
+              <a:t>XMLSerializer</a:t>
+            </a:r>
+            <a:r>
+              <a:rPr lang="da-DK" sz="2800" dirty="0">
                 <a:latin typeface="Gill Sans MT" panose="020B0502020104020203" pitchFamily="34" charset="0"/>
               </a:rPr>
-              <a:t>DataContractJsonSerializer</a:t>
-            </a:r>
-            <a:r>
-              <a:rPr lang="da-DK" sz="2400" dirty="0">
+              <a:t> </a:t>
+            </a:r>
+            <a:r>
+              <a:rPr lang="da-DK" sz="2800" dirty="0" err="1">
                 <a:latin typeface="Gill Sans MT" panose="020B0502020104020203" pitchFamily="34" charset="0"/>
               </a:rPr>
-              <a:t> to save the </a:t>
-            </a:r>
-            <a:r>
-              <a:rPr lang="da-DK" sz="2400" dirty="0" err="1">
+              <a:t>can</a:t>
+            </a:r>
+            <a:r>
+              <a:rPr lang="da-DK" sz="2800" dirty="0">
                 <a:latin typeface="Gill Sans MT" panose="020B0502020104020203" pitchFamily="34" charset="0"/>
               </a:rPr>
+              <a:t> </a:t>
+            </a:r>
+            <a:r>
+              <a:rPr lang="da-DK" sz="2800" dirty="0" err="1">
+                <a:latin typeface="Gill Sans MT" panose="020B0502020104020203" pitchFamily="34" charset="0"/>
+              </a:rPr>
+              <a:t>be</a:t>
+            </a:r>
+            <a:r>
+              <a:rPr lang="da-DK" sz="2800" dirty="0">
+                <a:latin typeface="Gill Sans MT" panose="020B0502020104020203" pitchFamily="34" charset="0"/>
+              </a:rPr>
+              <a:t> </a:t>
+            </a:r>
+            <a:r>
+              <a:rPr lang="da-DK" sz="2800" dirty="0" err="1">
+                <a:latin typeface="Gill Sans MT" panose="020B0502020104020203" pitchFamily="34" charset="0"/>
+              </a:rPr>
+              <a:t>used</a:t>
+            </a:r>
+            <a:r>
+              <a:rPr lang="da-DK" sz="2800" dirty="0">
+                <a:latin typeface="Gill Sans MT" panose="020B0502020104020203" pitchFamily="34" charset="0"/>
+              </a:rPr>
+              <a:t> to save/load an </a:t>
+            </a:r>
+            <a:r>
+              <a:rPr lang="da-DK" sz="2800" dirty="0" err="1">
+                <a:latin typeface="Gill Sans MT" panose="020B0502020104020203" pitchFamily="34" charset="0"/>
+              </a:rPr>
               <a:t>object</a:t>
             </a:r>
             <a:r>
-              <a:rPr lang="da-DK" sz="2400" dirty="0">
+              <a:rPr lang="da-DK" sz="2800" dirty="0">
                 <a:latin typeface="Gill Sans MT" panose="020B0502020104020203" pitchFamily="34" charset="0"/>
               </a:rPr>
-              <a:t> as </a:t>
-            </a:r>
-            <a:r>
-              <a:rPr lang="da-DK" sz="2400" dirty="0" err="1">
+              <a:t> </a:t>
+            </a:r>
+            <a:r>
+              <a:rPr lang="da-DK" sz="2800" dirty="0" err="1">
                 <a:latin typeface="Gill Sans MT" panose="020B0502020104020203" pitchFamily="34" charset="0"/>
               </a:rPr>
-              <a:t>Json</a:t>
-            </a:r>
-            <a:r>
-              <a:rPr lang="da-DK" sz="2400" dirty="0">
+              <a:t>graph</a:t>
+            </a:r>
+            <a:r>
+              <a:rPr lang="da-DK" sz="2800" dirty="0">
+                <a:latin typeface="Gill Sans MT" panose="020B0502020104020203" pitchFamily="34" charset="0"/>
+              </a:rPr>
+              <a:t>.</a:t>
+            </a:r>
+          </a:p>
+          <a:p>
+            <a:endParaRPr lang="da-DK" sz="2800" dirty="0">
+              <a:latin typeface="Gill Sans MT" panose="020B0502020104020203" pitchFamily="34" charset="0"/>
+            </a:endParaRPr>
+          </a:p>
+          <a:p>
+            <a:r>
+              <a:rPr lang="da-DK" sz="2800" dirty="0" err="1">
+                <a:latin typeface="Gill Sans MT" panose="020B0502020104020203" pitchFamily="34" charset="0"/>
+              </a:rPr>
+              <a:t>Create</a:t>
+            </a:r>
+            <a:r>
+              <a:rPr lang="da-DK" sz="2800" dirty="0">
+                <a:latin typeface="Gill Sans MT" panose="020B0502020104020203" pitchFamily="34" charset="0"/>
+              </a:rPr>
+              <a:t> an </a:t>
+            </a:r>
+            <a:r>
+              <a:rPr lang="da-DK" sz="2800" dirty="0" err="1">
+                <a:latin typeface="Gill Sans MT" panose="020B0502020104020203" pitchFamily="34" charset="0"/>
+              </a:rPr>
+              <a:t>object</a:t>
+            </a:r>
+            <a:r>
+              <a:rPr lang="da-DK" sz="2800" dirty="0">
+                <a:latin typeface="Gill Sans MT" panose="020B0502020104020203" pitchFamily="34" charset="0"/>
+              </a:rPr>
+              <a:t> with public properties.</a:t>
+            </a:r>
+          </a:p>
+          <a:p>
+            <a:endParaRPr lang="da-DK" sz="2800" dirty="0">
+              <a:latin typeface="Gill Sans MT" panose="020B0502020104020203" pitchFamily="34" charset="0"/>
+            </a:endParaRPr>
+          </a:p>
+          <a:p>
+            <a:r>
+              <a:rPr lang="da-DK" sz="2800" dirty="0" err="1">
+                <a:latin typeface="Gill Sans MT" panose="020B0502020104020203" pitchFamily="34" charset="0"/>
+              </a:rPr>
+              <a:t>There</a:t>
+            </a:r>
+            <a:r>
+              <a:rPr lang="da-DK" sz="2800" dirty="0">
+                <a:latin typeface="Gill Sans MT" panose="020B0502020104020203" pitchFamily="34" charset="0"/>
+              </a:rPr>
+              <a:t> </a:t>
+            </a:r>
+            <a:r>
+              <a:rPr lang="da-DK" sz="2800" b="1" dirty="0">
+                <a:latin typeface="Gill Sans MT" panose="020B0502020104020203" pitchFamily="34" charset="0"/>
+              </a:rPr>
+              <a:t>must</a:t>
+            </a:r>
+            <a:r>
+              <a:rPr lang="da-DK" sz="2800" dirty="0">
+                <a:latin typeface="Gill Sans MT" panose="020B0502020104020203" pitchFamily="34" charset="0"/>
+              </a:rPr>
+              <a:t> </a:t>
+            </a:r>
+            <a:r>
+              <a:rPr lang="da-DK" sz="2800" dirty="0" err="1">
+                <a:latin typeface="Gill Sans MT" panose="020B0502020104020203" pitchFamily="34" charset="0"/>
+              </a:rPr>
+              <a:t>be</a:t>
+            </a:r>
+            <a:r>
+              <a:rPr lang="da-DK" sz="2800" dirty="0">
+                <a:latin typeface="Gill Sans MT" panose="020B0502020104020203" pitchFamily="34" charset="0"/>
+              </a:rPr>
+              <a:t> a </a:t>
+            </a:r>
+            <a:r>
+              <a:rPr lang="da-DK" sz="2800" dirty="0" err="1">
+                <a:latin typeface="Gill Sans MT" panose="020B0502020104020203" pitchFamily="34" charset="0"/>
+              </a:rPr>
+              <a:t>parameterless</a:t>
+            </a:r>
+            <a:r>
+              <a:rPr lang="da-DK" sz="2800" dirty="0">
+                <a:latin typeface="Gill Sans MT" panose="020B0502020104020203" pitchFamily="34" charset="0"/>
+              </a:rPr>
+              <a:t> </a:t>
+            </a:r>
+            <a:r>
+              <a:rPr lang="da-DK" sz="2800" dirty="0" err="1">
+                <a:latin typeface="Gill Sans MT" panose="020B0502020104020203" pitchFamily="34" charset="0"/>
+              </a:rPr>
+              <a:t>constructor</a:t>
+            </a:r>
+            <a:r>
+              <a:rPr lang="da-DK" sz="2800" dirty="0">
+                <a:latin typeface="Gill Sans MT" panose="020B0502020104020203" pitchFamily="34" charset="0"/>
+              </a:rPr>
+              <a:t>. But </a:t>
+            </a:r>
+            <a:r>
+              <a:rPr lang="da-DK" sz="2800" dirty="0" err="1">
+                <a:latin typeface="Gill Sans MT" panose="020B0502020104020203" pitchFamily="34" charset="0"/>
+              </a:rPr>
+              <a:t>you</a:t>
+            </a:r>
+            <a:r>
+              <a:rPr lang="da-DK" sz="2800" dirty="0">
+                <a:latin typeface="Gill Sans MT" panose="020B0502020104020203" pitchFamily="34" charset="0"/>
+              </a:rPr>
+              <a:t> </a:t>
+            </a:r>
+            <a:r>
+              <a:rPr lang="da-DK" sz="2800" dirty="0" err="1">
+                <a:latin typeface="Gill Sans MT" panose="020B0502020104020203" pitchFamily="34" charset="0"/>
+              </a:rPr>
+              <a:t>can</a:t>
+            </a:r>
+            <a:r>
+              <a:rPr lang="da-DK" sz="2800" dirty="0">
+                <a:latin typeface="Gill Sans MT" panose="020B0502020104020203" pitchFamily="34" charset="0"/>
+              </a:rPr>
+              <a:t> </a:t>
+            </a:r>
+            <a:r>
+              <a:rPr lang="da-DK" sz="2800" dirty="0" err="1">
+                <a:latin typeface="Gill Sans MT" panose="020B0502020104020203" pitchFamily="34" charset="0"/>
+              </a:rPr>
+              <a:t>add</a:t>
+            </a:r>
+            <a:r>
+              <a:rPr lang="da-DK" sz="2800" dirty="0">
+                <a:latin typeface="Gill Sans MT" panose="020B0502020104020203" pitchFamily="34" charset="0"/>
+              </a:rPr>
+              <a:t> </a:t>
+            </a:r>
+            <a:r>
+              <a:rPr lang="da-DK" sz="2800" dirty="0" err="1">
+                <a:latin typeface="Gill Sans MT" panose="020B0502020104020203" pitchFamily="34" charset="0"/>
+              </a:rPr>
+              <a:t>other</a:t>
+            </a:r>
+            <a:r>
+              <a:rPr lang="da-DK" sz="2800" dirty="0">
+                <a:latin typeface="Gill Sans MT" panose="020B0502020104020203" pitchFamily="34" charset="0"/>
+              </a:rPr>
+              <a:t> </a:t>
+            </a:r>
+            <a:r>
+              <a:rPr lang="da-DK" sz="2800" dirty="0" err="1">
+                <a:latin typeface="Gill Sans MT" panose="020B0502020104020203" pitchFamily="34" charset="0"/>
+              </a:rPr>
+              <a:t>constructors</a:t>
+            </a:r>
+            <a:r>
+              <a:rPr lang="da-DK" sz="2800" dirty="0">
                 <a:latin typeface="Gill Sans MT" panose="020B0502020104020203" pitchFamily="34" charset="0"/>
               </a:rPr>
               <a:t>.</a:t>
@@ -6570,7 +6913,7 @@
     </p:spTree>
     <p:extLst>
       <p:ext uri="{BB962C8B-B14F-4D97-AF65-F5344CB8AC3E}">
-        <p14:creationId xmlns:p14="http://schemas.microsoft.com/office/powerpoint/2010/main" val="3960619504"/>
+        <p14:creationId xmlns:p14="http://schemas.microsoft.com/office/powerpoint/2010/main" val="2748677401"/>
       </p:ext>
     </p:extLst>
   </p:cSld>
@@ -6620,7 +6963,7 @@
             </a:r>
             <a:r>
               <a:rPr lang="da-DK" sz="3600" dirty="0"/>
-              <a:t> – Load the </a:t>
+              <a:t> – Save the </a:t>
             </a:r>
             <a:r>
               <a:rPr lang="da-DK" sz="3600" dirty="0" err="1"/>
@@ -6638,7 +6981,7 @@
         </p:nvSpPr>
         <p:spPr>
           <a:xfrm>
-            <a:off x="503364" y="1311965"/>
+            <a:off x="503364" y="1286565"/>
             <a:ext cx="6996662" cy="5400120"/>
           </a:xfrm>
           <a:prstGeom prst="rect">
@@ -6676,7 +7019,7 @@
                 <a:latin typeface="Consolas" panose="020B0609020204030204" pitchFamily="49" charset="0"/>
                 <a:cs typeface="Consolas" panose="020B0609020204030204" pitchFamily="49" charset="0"/>
               </a:rPr>
-              <a:t>public </a:t>
+              <a:t>public void Save(</a:t>
             </a:r>
             <a:r>
               <a:rPr lang="en-US" sz="1600" dirty="0" err="1">
@@ -6696,10 +7039,18 @@
                 <a:latin typeface="Consolas" panose="020B0609020204030204" pitchFamily="49" charset="0"/>
                 <a:cs typeface="Consolas" panose="020B0609020204030204" pitchFamily="49" charset="0"/>
               </a:rPr>
-              <a:t> Load(string path)</a:t>
-            </a:r>
-          </a:p>
-          <a:p>
+              <a:t> </a:t>
+            </a:r>
+            <a:r>
+              <a:rPr lang="en-US" sz="1600" dirty="0" err="1">
+                <a:solidFill>
+                  <a:schemeClr val="tx1"/>
+                </a:solidFill>
+                <a:latin typeface="Consolas" panose="020B0609020204030204" pitchFamily="49" charset="0"/>
+                <a:cs typeface="Consolas" panose="020B0609020204030204" pitchFamily="49" charset="0"/>
+              </a:rPr>
+              <a:t>alarmSettings</a:t>
+            </a:r>
             <a:r>
               <a:rPr lang="en-US" sz="1600" dirty="0">
                 <a:solidFill>
@@ -6708,20 +7059,46 @@
                 <a:latin typeface="Consolas" panose="020B0609020204030204" pitchFamily="49" charset="0"/>
                 <a:cs typeface="Consolas" panose="020B0609020204030204" pitchFamily="49" charset="0"/>
               </a:rPr>
+              <a:t>, </a:t>
+            </a:r>
+          </a:p>
+          <a:p>
+            <a:r>
+              <a:rPr lang="en-US" sz="1600" dirty="0">
+                <a:solidFill>
+                  <a:schemeClr val="tx1"/>
+                </a:solidFill>
+                <a:latin typeface="Consolas" panose="020B0609020204030204" pitchFamily="49" charset="0"/>
+                <a:cs typeface="Consolas" panose="020B0609020204030204" pitchFamily="49" charset="0"/>
+              </a:rPr>
+              <a:t>		string path)</a:t>
+            </a:r>
+          </a:p>
+          <a:p>
+            <a:r>
+              <a:rPr lang="en-US" sz="1600" dirty="0">
+                <a:solidFill>
+                  <a:schemeClr val="tx1"/>
+                </a:solidFill>
+                <a:latin typeface="Consolas" panose="020B0609020204030204" pitchFamily="49" charset="0"/>
+                <a:cs typeface="Consolas" panose="020B0609020204030204" pitchFamily="49" charset="0"/>
+              </a:rPr>
               <a:t>{</a:t>
             </a:r>
           </a:p>
           <a:p>
             <a:r>
-              <a:rPr lang="en-US" sz="1600" dirty="0">
+              <a:rPr lang="en-GB" dirty="0">
                 <a:solidFill>
                   <a:schemeClr val="tx1"/>
                 </a:solidFill>
                 <a:latin typeface="Consolas" panose="020B0609020204030204" pitchFamily="49" charset="0"/>
                 <a:cs typeface="Consolas" panose="020B0609020204030204" pitchFamily="49" charset="0"/>
               </a:rPr>
-              <a:t>    </a:t>
-            </a:r>
+              <a:t>    string json = </a:t>
+            </a:r>
+          </a:p>
+          <a:p>
             <a:r>
               <a:rPr lang="en-GB" dirty="0">
                 <a:solidFill>
@@ -6730,7 +7107,7 @@
                 <a:latin typeface="Consolas" panose="020B0609020204030204" pitchFamily="49" charset="0"/>
                 <a:cs typeface="Consolas" panose="020B0609020204030204" pitchFamily="49" charset="0"/>
               </a:rPr>
-              <a:t>string text = </a:t>
+              <a:t>        </a:t>
             </a:r>
             <a:r>
               <a:rPr lang="en-GB" dirty="0" err="1">
@@ -6740,7 +7117,7 @@
                 <a:latin typeface="Consolas" panose="020B0609020204030204" pitchFamily="49" charset="0"/>
                 <a:cs typeface="Consolas" panose="020B0609020204030204" pitchFamily="49" charset="0"/>
               </a:rPr>
-              <a:t>File.ReadAllText</a:t>
+              <a:t>JsonSerializer.Serialize</a:t>
             </a:r>
             <a:r>
               <a:rPr lang="en-GB" dirty="0">
@@ -6750,7 +7127,27 @@
                 <a:latin typeface="Consolas" panose="020B0609020204030204" pitchFamily="49" charset="0"/>
                 <a:cs typeface="Consolas" panose="020B0609020204030204" pitchFamily="49" charset="0"/>
               </a:rPr>
-              <a:t>(filename);</a:t>
+              <a:t>(</a:t>
+            </a:r>
+            <a:r>
+              <a:rPr lang="en-GB" dirty="0" err="1">
+                <a:solidFill>
+                  <a:schemeClr val="tx1"/>
+                </a:solidFill>
+                <a:latin typeface="Consolas" panose="020B0609020204030204" pitchFamily="49" charset="0"/>
+                <a:cs typeface="Consolas" panose="020B0609020204030204" pitchFamily="49" charset="0"/>
+              </a:rPr>
+              <a:t>alarmSettings</a:t>
+            </a:r>
+            <a:r>
+              <a:rPr lang="en-GB" dirty="0">
+                <a:solidFill>
+                  <a:schemeClr val="tx1"/>
+                </a:solidFill>
+                <a:latin typeface="Consolas" panose="020B0609020204030204" pitchFamily="49" charset="0"/>
+                <a:cs typeface="Consolas" panose="020B0609020204030204" pitchFamily="49" charset="0"/>
+              </a:rPr>
+              <a:t>);</a:t>
             </a:r>
             <a:br>
               <a:rPr lang="en-GB" dirty="0">
@@ -6779,7 +7176,7 @@
                 <a:latin typeface="Consolas" panose="020B0609020204030204" pitchFamily="49" charset="0"/>
                 <a:cs typeface="Consolas" panose="020B0609020204030204" pitchFamily="49" charset="0"/>
               </a:rPr>
-              <a:t>AlarmSettings</a:t>
+              <a:t>File.WriteAllText</a:t>
             </a:r>
             <a:r>
               <a:rPr lang="en-GB" dirty="0">
@@ -6789,111 +7186,7 @@
                 <a:latin typeface="Consolas" panose="020B0609020204030204" pitchFamily="49" charset="0"/>
                 <a:cs typeface="Consolas" panose="020B0609020204030204" pitchFamily="49" charset="0"/>
               </a:rPr>
-              <a:t> </a:t>
-            </a:r>
-            <a:r>
-              <a:rPr lang="en-GB" dirty="0" err="1">
-                <a:solidFill>
-                  <a:schemeClr val="tx1"/>
-                </a:solidFill>
-                <a:latin typeface="Consolas" panose="020B0609020204030204" pitchFamily="49" charset="0"/>
-                <a:cs typeface="Consolas" panose="020B0609020204030204" pitchFamily="49" charset="0"/>
-              </a:rPr>
-              <a:t>alarmSettings</a:t>
-            </a:r>
-            <a:r>
-              <a:rPr lang="en-GB" dirty="0">
-                <a:solidFill>
-                  <a:schemeClr val="tx1"/>
-                </a:solidFill>
-                <a:latin typeface="Consolas" panose="020B0609020204030204" pitchFamily="49" charset="0"/>
-                <a:cs typeface="Consolas" panose="020B0609020204030204" pitchFamily="49" charset="0"/>
-              </a:rPr>
-              <a:t> =</a:t>
-            </a:r>
-          </a:p>
-          <a:p>
-            <a:r>
-              <a:rPr lang="en-GB" dirty="0">
-                <a:solidFill>
-                  <a:schemeClr val="tx1"/>
-                </a:solidFill>
-                <a:latin typeface="Consolas" panose="020B0609020204030204" pitchFamily="49" charset="0"/>
-                <a:cs typeface="Consolas" panose="020B0609020204030204" pitchFamily="49" charset="0"/>
-              </a:rPr>
-              <a:t>      </a:t>
-            </a:r>
-            <a:r>
-              <a:rPr lang="en-GB" dirty="0" err="1">
-                <a:solidFill>
-                  <a:schemeClr val="tx1"/>
-                </a:solidFill>
-                <a:latin typeface="Consolas" panose="020B0609020204030204" pitchFamily="49" charset="0"/>
-                <a:cs typeface="Consolas" panose="020B0609020204030204" pitchFamily="49" charset="0"/>
-              </a:rPr>
-              <a:t>JsonSerializer.Deserialize</a:t>
-            </a:r>
-            <a:r>
-              <a:rPr lang="en-GB" dirty="0">
-                <a:solidFill>
-                  <a:schemeClr val="tx1"/>
-                </a:solidFill>
-                <a:latin typeface="Consolas" panose="020B0609020204030204" pitchFamily="49" charset="0"/>
-                <a:cs typeface="Consolas" panose="020B0609020204030204" pitchFamily="49" charset="0"/>
-              </a:rPr>
-              <a:t>&lt;</a:t>
-            </a:r>
-            <a:r>
-              <a:rPr lang="en-GB" dirty="0" err="1">
-                <a:solidFill>
-                  <a:schemeClr val="tx1"/>
-                </a:solidFill>
-                <a:latin typeface="Consolas" panose="020B0609020204030204" pitchFamily="49" charset="0"/>
-                <a:cs typeface="Consolas" panose="020B0609020204030204" pitchFamily="49" charset="0"/>
-              </a:rPr>
-              <a:t>AlarmSettings</a:t>
-            </a:r>
-            <a:r>
-              <a:rPr lang="en-GB" dirty="0">
-                <a:solidFill>
-                  <a:schemeClr val="tx1"/>
-                </a:solidFill>
-                <a:latin typeface="Consolas" panose="020B0609020204030204" pitchFamily="49" charset="0"/>
-                <a:cs typeface="Consolas" panose="020B0609020204030204" pitchFamily="49" charset="0"/>
-              </a:rPr>
-              <a:t>&gt;(text);</a:t>
-            </a:r>
-          </a:p>
-          <a:p>
-            <a:r>
-              <a:rPr lang="en-GB" dirty="0">
-                <a:solidFill>
-                  <a:schemeClr val="tx1"/>
-                </a:solidFill>
-                <a:latin typeface="Consolas" panose="020B0609020204030204" pitchFamily="49" charset="0"/>
-                <a:cs typeface="Consolas" panose="020B0609020204030204" pitchFamily="49" charset="0"/>
-              </a:rPr>
-              <a:t>    return </a:t>
-            </a:r>
-            <a:r>
-              <a:rPr lang="en-GB" dirty="0" err="1">
-                <a:solidFill>
-                  <a:schemeClr val="tx1"/>
-                </a:solidFill>
-                <a:latin typeface="Consolas" panose="020B0609020204030204" pitchFamily="49" charset="0"/>
-                <a:cs typeface="Consolas" panose="020B0609020204030204" pitchFamily="49" charset="0"/>
-              </a:rPr>
-              <a:t>alarmSettings</a:t>
-            </a:r>
-            <a:r>
-              <a:rPr lang="en-GB" dirty="0">
-                <a:solidFill>
-                  <a:schemeClr val="tx1"/>
-                </a:solidFill>
-                <a:latin typeface="Consolas" panose="020B0609020204030204" pitchFamily="49" charset="0"/>
-                <a:cs typeface="Consolas" panose="020B0609020204030204" pitchFamily="49" charset="0"/>
-              </a:rPr>
-              <a:t>;</a:t>
+              <a:t>(path, json);</a:t>
             </a:r>
           </a:p>
           <a:p>
@@ -6952,6 +7245,535 @@
           <a:lstStyle/>
           <a:p>
             <a:r>
+              <a:rPr lang="en-GB" dirty="0">
+                <a:solidFill>
+                  <a:schemeClr val="tx1"/>
+                </a:solidFill>
+              </a:rPr>
+              <a:t>{</a:t>
+            </a:r>
+          </a:p>
+          <a:p>
+            <a:r>
+              <a:rPr lang="en-GB" dirty="0">
+                <a:solidFill>
+                  <a:schemeClr val="tx1"/>
+                </a:solidFill>
+              </a:rPr>
+              <a:t>  "TimeFormat":0,</a:t>
+            </a:r>
+          </a:p>
+          <a:p>
+            <a:r>
+              <a:rPr lang="en-GB" dirty="0">
+                <a:solidFill>
+                  <a:schemeClr val="tx1"/>
+                </a:solidFill>
+              </a:rPr>
+              <a:t>  "AlarmIsOn":false,</a:t>
+            </a:r>
+          </a:p>
+          <a:p>
+            <a:r>
+              <a:rPr lang="en-GB" dirty="0">
+                <a:solidFill>
+                  <a:schemeClr val="tx1"/>
+                </a:solidFill>
+              </a:rPr>
+              <a:t>  "</a:t>
+            </a:r>
+            <a:r>
+              <a:rPr lang="en-GB" dirty="0" err="1">
+                <a:solidFill>
+                  <a:schemeClr val="tx1"/>
+                </a:solidFill>
+              </a:rPr>
+              <a:t>Locale":"DK</a:t>
+            </a:r>
+            <a:r>
+              <a:rPr lang="en-GB" dirty="0">
+                <a:solidFill>
+                  <a:schemeClr val="tx1"/>
+                </a:solidFill>
+              </a:rPr>
+              <a:t>”</a:t>
+            </a:r>
+          </a:p>
+          <a:p>
+            <a:r>
+              <a:rPr lang="en-GB" dirty="0">
+                <a:solidFill>
+                  <a:schemeClr val="tx1"/>
+                </a:solidFill>
+              </a:rPr>
+              <a:t>}</a:t>
+            </a:r>
+            <a:endParaRPr lang="en-US" sz="1400" dirty="0">
+              <a:solidFill>
+                <a:schemeClr val="tx1"/>
+              </a:solidFill>
+              <a:latin typeface="Consolas" panose="020B0609020204030204" pitchFamily="49" charset="0"/>
+            </a:endParaRPr>
+          </a:p>
+        </p:txBody>
+      </p:sp>
+      <p:sp>
+        <p:nvSpPr>
+          <p:cNvPr id="3" name="TextBox 2"/>
+          <p:cNvSpPr txBox="1"/>
+          <p:nvPr/>
+        </p:nvSpPr>
+        <p:spPr>
+          <a:xfrm>
+            <a:off x="7670800" y="1311965"/>
+            <a:ext cx="4017836" cy="2684302"/>
+          </a:xfrm>
+          <a:prstGeom prst="rect">
+            <a:avLst/>
+          </a:prstGeom>
+        </p:spPr>
+        <p:txBody>
+          <a:bodyPr vert="horz" wrap="square" lIns="91440" tIns="45720" rIns="91440" bIns="45720" rtlCol="0" anchor="t">
+            <a:normAutofit/>
+          </a:bodyPr>
+          <a:lstStyle/>
+          <a:p>
+            <a:r>
+              <a:rPr lang="da-DK" sz="2400" dirty="0" err="1">
+                <a:latin typeface="Gill Sans MT" panose="020B0502020104020203" pitchFamily="34" charset="0"/>
+              </a:rPr>
+              <a:t>Use</a:t>
+            </a:r>
+            <a:r>
+              <a:rPr lang="da-DK" sz="2400" dirty="0">
+                <a:latin typeface="Gill Sans MT" panose="020B0502020104020203" pitchFamily="34" charset="0"/>
+              </a:rPr>
+              <a:t> the </a:t>
+            </a:r>
+            <a:r>
+              <a:rPr lang="da-DK" sz="2400" dirty="0" err="1">
+                <a:latin typeface="Gill Sans MT" panose="020B0502020104020203" pitchFamily="34" charset="0"/>
+              </a:rPr>
+              <a:t>JsonSerializer</a:t>
+            </a:r>
+            <a:r>
+              <a:rPr lang="da-DK" sz="2400" dirty="0">
+                <a:latin typeface="Gill Sans MT" panose="020B0502020104020203" pitchFamily="34" charset="0"/>
+              </a:rPr>
+              <a:t> to save the </a:t>
+            </a:r>
+            <a:r>
+              <a:rPr lang="da-DK" sz="2400" dirty="0" err="1">
+                <a:latin typeface="Gill Sans MT" panose="020B0502020104020203" pitchFamily="34" charset="0"/>
+              </a:rPr>
+              <a:t>object</a:t>
+            </a:r>
+            <a:r>
+              <a:rPr lang="da-DK" sz="2400" dirty="0">
+                <a:latin typeface="Gill Sans MT" panose="020B0502020104020203" pitchFamily="34" charset="0"/>
+              </a:rPr>
+              <a:t> as </a:t>
+            </a:r>
+            <a:r>
+              <a:rPr lang="da-DK" sz="2400" dirty="0" err="1">
+                <a:latin typeface="Gill Sans MT" panose="020B0502020104020203" pitchFamily="34" charset="0"/>
+              </a:rPr>
+              <a:t>Json</a:t>
+            </a:r>
+            <a:r>
+              <a:rPr lang="da-DK" sz="2400" dirty="0">
+                <a:latin typeface="Gill Sans MT" panose="020B0502020104020203" pitchFamily="34" charset="0"/>
+              </a:rPr>
+              <a:t>.</a:t>
+            </a:r>
+          </a:p>
+        </p:txBody>
+      </p:sp>
+    </p:spTree>
+    <p:extLst>
+      <p:ext uri="{BB962C8B-B14F-4D97-AF65-F5344CB8AC3E}">
+        <p14:creationId xmlns:p14="http://schemas.microsoft.com/office/powerpoint/2010/main" val="3960619504"/>
+      </p:ext>
+    </p:extLst>
+  </p:cSld>
+  <p:clrMapOvr>
+    <a:masterClrMapping/>
+  </p:clrMapOvr>
+</p:sld>
+</file>
+
+<file path=ppt/slides/slide12.xml><?xml version="1.0" encoding="utf-8"?>
+<p:sld xmlns:a="http://schemas.openxmlformats.org/drawingml/2006/main" xmlns:r="http://schemas.openxmlformats.org/officeDocument/2006/relationships" xmlns:p="http://schemas.openxmlformats.org/presentationml/2006/main">
+  <p:cSld>
+    <p:spTree>
+      <p:nvGrpSpPr>
+        <p:cNvPr id="1" name=""/>
+        <p:cNvGrpSpPr/>
+        <p:nvPr/>
+      </p:nvGrpSpPr>
+      <p:grpSpPr>
+        <a:xfrm>
+          <a:off x="0" y="0"/>
+          <a:ext cx="0" cy="0"/>
+          <a:chOff x="0" y="0"/>
+          <a:chExt cx="0" cy="0"/>
+        </a:xfrm>
+      </p:grpSpPr>
+      <p:sp>
+        <p:nvSpPr>
+          <p:cNvPr id="2" name="Title 1"/>
+          <p:cNvSpPr>
+            <a:spLocks noGrp="1"/>
+          </p:cNvSpPr>
+          <p:nvPr>
+            <p:ph type="title"/>
+          </p:nvPr>
+        </p:nvSpPr>
+        <p:spPr/>
+        <p:txBody>
+          <a:bodyPr>
+            <a:normAutofit/>
+          </a:bodyPr>
+          <a:lstStyle/>
+          <a:p>
+            <a:r>
+              <a:rPr lang="en-GB" sz="3600" dirty="0" err="1"/>
+              <a:t>JsonSerializer</a:t>
+            </a:r>
+            <a:r>
+              <a:rPr lang="da-DK" sz="3600" dirty="0"/>
+              <a:t> – Load the </a:t>
+            </a:r>
+            <a:r>
+              <a:rPr lang="da-DK" sz="3600" dirty="0" err="1"/>
+              <a:t>configuration</a:t>
+            </a:r>
+            <a:endParaRPr lang="da-DK" sz="3600" dirty="0"/>
+          </a:p>
+        </p:txBody>
+      </p:sp>
+      <p:sp>
+        <p:nvSpPr>
+          <p:cNvPr id="4" name="Rectangle 3"/>
+          <p:cNvSpPr/>
+          <p:nvPr/>
+        </p:nvSpPr>
+        <p:spPr>
+          <a:xfrm>
+            <a:off x="503364" y="1311965"/>
+            <a:ext cx="6996662" cy="5400120"/>
+          </a:xfrm>
+          <a:prstGeom prst="rect">
+            <a:avLst/>
+          </a:prstGeom>
+          <a:solidFill>
+            <a:schemeClr val="bg2"/>
+          </a:solidFill>
+        </p:spPr>
+        <p:style>
+          <a:lnRef idx="2">
+            <a:schemeClr val="accent1">
+              <a:shade val="50000"/>
+            </a:schemeClr>
+          </a:lnRef>
+          <a:fillRef idx="1">
+            <a:schemeClr val="accent1"/>
+          </a:fillRef>
+          <a:effectRef idx="0">
+            <a:schemeClr val="accent1"/>
+          </a:effectRef>
+          <a:fontRef idx="minor">
+            <a:schemeClr val="lt1"/>
+          </a:fontRef>
+        </p:style>
+        <p:txBody>
+          <a:bodyPr rtlCol="0" anchor="ctr"/>
+          <a:lstStyle/>
+          <a:p>
+            <a:r>
+              <a:rPr lang="en-US" sz="1600" dirty="0">
+                <a:solidFill>
+                  <a:schemeClr val="tx1"/>
+                </a:solidFill>
+                <a:latin typeface="Consolas" panose="020B0609020204030204" pitchFamily="49" charset="0"/>
+                <a:cs typeface="Consolas" panose="020B0609020204030204" pitchFamily="49" charset="0"/>
+              </a:rPr>
+              <a:t>public </a:t>
+            </a:r>
+            <a:r>
+              <a:rPr lang="en-US" sz="1600" dirty="0" err="1">
+                <a:solidFill>
+                  <a:schemeClr val="tx1"/>
+                </a:solidFill>
+                <a:latin typeface="Consolas" panose="020B0609020204030204" pitchFamily="49" charset="0"/>
+                <a:cs typeface="Consolas" panose="020B0609020204030204" pitchFamily="49" charset="0"/>
+              </a:rPr>
+              <a:t>AlarmSettings</a:t>
+            </a:r>
+            <a:r>
+              <a:rPr lang="en-US" sz="1600" dirty="0">
+                <a:solidFill>
+                  <a:schemeClr val="tx1"/>
+                </a:solidFill>
+                <a:latin typeface="Consolas" panose="020B0609020204030204" pitchFamily="49" charset="0"/>
+                <a:cs typeface="Consolas" panose="020B0609020204030204" pitchFamily="49" charset="0"/>
+              </a:rPr>
+              <a:t> Load(string path)</a:t>
+            </a:r>
+          </a:p>
+          <a:p>
+            <a:r>
+              <a:rPr lang="en-US" sz="1600" dirty="0">
+                <a:solidFill>
+                  <a:schemeClr val="tx1"/>
+                </a:solidFill>
+                <a:latin typeface="Consolas" panose="020B0609020204030204" pitchFamily="49" charset="0"/>
+                <a:cs typeface="Consolas" panose="020B0609020204030204" pitchFamily="49" charset="0"/>
+              </a:rPr>
+              <a:t>{</a:t>
+            </a:r>
+          </a:p>
+          <a:p>
+            <a:r>
+              <a:rPr lang="en-US" sz="1600" dirty="0">
+                <a:solidFill>
+                  <a:schemeClr val="tx1"/>
+                </a:solidFill>
+                <a:latin typeface="Consolas" panose="020B0609020204030204" pitchFamily="49" charset="0"/>
+                <a:cs typeface="Consolas" panose="020B0609020204030204" pitchFamily="49" charset="0"/>
+              </a:rPr>
+              <a:t>    </a:t>
+            </a:r>
+            <a:r>
+              <a:rPr lang="en-GB" dirty="0">
+                <a:solidFill>
+                  <a:schemeClr val="tx1"/>
+                </a:solidFill>
+                <a:latin typeface="Consolas" panose="020B0609020204030204" pitchFamily="49" charset="0"/>
+                <a:cs typeface="Consolas" panose="020B0609020204030204" pitchFamily="49" charset="0"/>
+              </a:rPr>
+              <a:t>string text = </a:t>
+            </a:r>
+            <a:r>
+              <a:rPr lang="en-GB" dirty="0" err="1">
+                <a:solidFill>
+                  <a:schemeClr val="tx1"/>
+                </a:solidFill>
+                <a:latin typeface="Consolas" panose="020B0609020204030204" pitchFamily="49" charset="0"/>
+                <a:cs typeface="Consolas" panose="020B0609020204030204" pitchFamily="49" charset="0"/>
+              </a:rPr>
+              <a:t>File.ReadAllText</a:t>
+            </a:r>
+            <a:r>
+              <a:rPr lang="en-GB" dirty="0">
+                <a:solidFill>
+                  <a:schemeClr val="tx1"/>
+                </a:solidFill>
+                <a:latin typeface="Consolas" panose="020B0609020204030204" pitchFamily="49" charset="0"/>
+                <a:cs typeface="Consolas" panose="020B0609020204030204" pitchFamily="49" charset="0"/>
+              </a:rPr>
+              <a:t>(filename);</a:t>
+            </a:r>
+            <a:br>
+              <a:rPr lang="en-GB" dirty="0">
+                <a:solidFill>
+                  <a:schemeClr val="tx1"/>
+                </a:solidFill>
+                <a:latin typeface="Consolas" panose="020B0609020204030204" pitchFamily="49" charset="0"/>
+                <a:cs typeface="Consolas" panose="020B0609020204030204" pitchFamily="49" charset="0"/>
+              </a:rPr>
+            </a:br>
+            <a:r>
+              <a:rPr lang="en-GB" dirty="0">
+                <a:solidFill>
+                  <a:schemeClr val="tx1"/>
+                </a:solidFill>
+                <a:latin typeface="Consolas" panose="020B0609020204030204" pitchFamily="49" charset="0"/>
+                <a:cs typeface="Consolas" panose="020B0609020204030204" pitchFamily="49" charset="0"/>
+              </a:rPr>
+              <a:t>    </a:t>
+            </a:r>
+            <a:r>
+              <a:rPr lang="en-GB" dirty="0" err="1">
+                <a:solidFill>
+                  <a:schemeClr val="tx1"/>
+                </a:solidFill>
+                <a:latin typeface="Consolas" panose="020B0609020204030204" pitchFamily="49" charset="0"/>
+                <a:cs typeface="Consolas" panose="020B0609020204030204" pitchFamily="49" charset="0"/>
+              </a:rPr>
+              <a:t>AlarmSettings</a:t>
+            </a:r>
+            <a:r>
+              <a:rPr lang="en-GB" dirty="0">
+                <a:solidFill>
+                  <a:schemeClr val="tx1"/>
+                </a:solidFill>
+                <a:latin typeface="Consolas" panose="020B0609020204030204" pitchFamily="49" charset="0"/>
+                <a:cs typeface="Consolas" panose="020B0609020204030204" pitchFamily="49" charset="0"/>
+              </a:rPr>
+              <a:t> </a:t>
+            </a:r>
+            <a:r>
+              <a:rPr lang="en-GB" dirty="0" err="1">
+                <a:solidFill>
+                  <a:schemeClr val="tx1"/>
+                </a:solidFill>
+                <a:latin typeface="Consolas" panose="020B0609020204030204" pitchFamily="49" charset="0"/>
+                <a:cs typeface="Consolas" panose="020B0609020204030204" pitchFamily="49" charset="0"/>
+              </a:rPr>
+              <a:t>alarmSettings</a:t>
+            </a:r>
+            <a:r>
+              <a:rPr lang="en-GB" dirty="0">
+                <a:solidFill>
+                  <a:schemeClr val="tx1"/>
+                </a:solidFill>
+                <a:latin typeface="Consolas" panose="020B0609020204030204" pitchFamily="49" charset="0"/>
+                <a:cs typeface="Consolas" panose="020B0609020204030204" pitchFamily="49" charset="0"/>
+              </a:rPr>
+              <a:t> =</a:t>
+            </a:r>
+          </a:p>
+          <a:p>
+            <a:r>
+              <a:rPr lang="en-GB" dirty="0">
+                <a:solidFill>
+                  <a:schemeClr val="tx1"/>
+                </a:solidFill>
+                <a:latin typeface="Consolas" panose="020B0609020204030204" pitchFamily="49" charset="0"/>
+                <a:cs typeface="Consolas" panose="020B0609020204030204" pitchFamily="49" charset="0"/>
+              </a:rPr>
+              <a:t>      </a:t>
+            </a:r>
+            <a:r>
+              <a:rPr lang="en-GB" dirty="0" err="1">
+                <a:solidFill>
+                  <a:schemeClr val="tx1"/>
+                </a:solidFill>
+                <a:latin typeface="Consolas" panose="020B0609020204030204" pitchFamily="49" charset="0"/>
+                <a:cs typeface="Consolas" panose="020B0609020204030204" pitchFamily="49" charset="0"/>
+              </a:rPr>
+              <a:t>JsonSerializer.Deserialize</a:t>
+            </a:r>
+            <a:r>
+              <a:rPr lang="en-GB" dirty="0">
+                <a:solidFill>
+                  <a:schemeClr val="tx1"/>
+                </a:solidFill>
+                <a:latin typeface="Consolas" panose="020B0609020204030204" pitchFamily="49" charset="0"/>
+                <a:cs typeface="Consolas" panose="020B0609020204030204" pitchFamily="49" charset="0"/>
+              </a:rPr>
+              <a:t>&lt;</a:t>
+            </a:r>
+            <a:r>
+              <a:rPr lang="en-GB" dirty="0" err="1">
+                <a:solidFill>
+                  <a:schemeClr val="tx1"/>
+                </a:solidFill>
+                <a:latin typeface="Consolas" panose="020B0609020204030204" pitchFamily="49" charset="0"/>
+                <a:cs typeface="Consolas" panose="020B0609020204030204" pitchFamily="49" charset="0"/>
+              </a:rPr>
+              <a:t>AlarmSettings</a:t>
+            </a:r>
+            <a:r>
+              <a:rPr lang="en-GB" dirty="0">
+                <a:solidFill>
+                  <a:schemeClr val="tx1"/>
+                </a:solidFill>
+                <a:latin typeface="Consolas" panose="020B0609020204030204" pitchFamily="49" charset="0"/>
+                <a:cs typeface="Consolas" panose="020B0609020204030204" pitchFamily="49" charset="0"/>
+              </a:rPr>
+              <a:t>&gt;(text);</a:t>
+            </a:r>
+          </a:p>
+          <a:p>
+            <a:r>
+              <a:rPr lang="en-GB" dirty="0">
+                <a:solidFill>
+                  <a:schemeClr val="tx1"/>
+                </a:solidFill>
+                <a:latin typeface="Consolas" panose="020B0609020204030204" pitchFamily="49" charset="0"/>
+                <a:cs typeface="Consolas" panose="020B0609020204030204" pitchFamily="49" charset="0"/>
+              </a:rPr>
+              <a:t>    return </a:t>
+            </a:r>
+            <a:r>
+              <a:rPr lang="en-GB" dirty="0" err="1">
+                <a:solidFill>
+                  <a:schemeClr val="tx1"/>
+                </a:solidFill>
+                <a:latin typeface="Consolas" panose="020B0609020204030204" pitchFamily="49" charset="0"/>
+                <a:cs typeface="Consolas" panose="020B0609020204030204" pitchFamily="49" charset="0"/>
+              </a:rPr>
+              <a:t>alarmSettings</a:t>
+            </a:r>
+            <a:r>
+              <a:rPr lang="en-GB" dirty="0">
+                <a:solidFill>
+                  <a:schemeClr val="tx1"/>
+                </a:solidFill>
+                <a:latin typeface="Consolas" panose="020B0609020204030204" pitchFamily="49" charset="0"/>
+                <a:cs typeface="Consolas" panose="020B0609020204030204" pitchFamily="49" charset="0"/>
+              </a:rPr>
+              <a:t>;</a:t>
+            </a:r>
+          </a:p>
+          <a:p>
+            <a:r>
+              <a:rPr lang="en-US" sz="1600" dirty="0">
+                <a:solidFill>
+                  <a:schemeClr val="tx1"/>
+                </a:solidFill>
+                <a:latin typeface="Consolas" panose="020B0609020204030204" pitchFamily="49" charset="0"/>
+                <a:cs typeface="Consolas" panose="020B0609020204030204" pitchFamily="49" charset="0"/>
+              </a:rPr>
+              <a:t>}</a:t>
+            </a:r>
+          </a:p>
+        </p:txBody>
+      </p:sp>
+      <p:sp>
+        <p:nvSpPr>
+          <p:cNvPr id="6" name="Rectangle 5"/>
+          <p:cNvSpPr/>
+          <p:nvPr/>
+        </p:nvSpPr>
+        <p:spPr>
+          <a:xfrm>
+            <a:off x="7670800" y="4140199"/>
+            <a:ext cx="4017836" cy="2571885"/>
+          </a:xfrm>
+          <a:prstGeom prst="rect">
+            <a:avLst/>
+          </a:prstGeom>
+          <a:solidFill>
+            <a:schemeClr val="accent5">
+              <a:lumMod val="20000"/>
+              <a:lumOff val="80000"/>
+            </a:schemeClr>
+          </a:solidFill>
+        </p:spPr>
+        <p:style>
+          <a:lnRef idx="2">
+            <a:schemeClr val="accent1">
+              <a:shade val="50000"/>
+            </a:schemeClr>
+          </a:lnRef>
+          <a:fillRef idx="1">
+            <a:schemeClr val="accent1"/>
+          </a:fillRef>
+          <a:effectRef idx="0">
+            <a:schemeClr val="accent1"/>
+          </a:effectRef>
+          <a:fontRef idx="minor">
+            <a:schemeClr val="lt1"/>
+          </a:fontRef>
+        </p:style>
+        <p:txBody>
+          <a:bodyPr rtlCol="0" anchor="ctr"/>
+          <a:lstStyle/>
+          <a:p>
+            <a:r>
               <a:rPr lang="fr-FR" sz="1400" dirty="0">
                 <a:solidFill>
                   <a:schemeClr val="tx1"/>
@@ -7045,7 +7867,7 @@
                 </a:solidFill>
                 <a:latin typeface="Consolas" panose="020B0609020204030204" pitchFamily="49" charset="0"/>
               </a:rPr>
-              <a:t> "TimeFormat":2</a:t>
+              <a:t> "TimeFormat":0</a:t>
             </a:r>
           </a:p>
           <a:p>
@@ -7150,7 +7972,7 @@
 </p:sld>
 </file>
 
-<file path=ppt/slides/slide12.xml><?xml version="1.0" encoding="utf-8"?>
+<file path=ppt/slides/slide13.xml><?xml version="1.0" encoding="utf-8"?>
 <p:sld xmlns:a="http://schemas.openxmlformats.org/drawingml/2006/main" xmlns:r="http://schemas.openxmlformats.org/officeDocument/2006/relationships" xmlns:p="http://schemas.openxmlformats.org/presentationml/2006/main">
   <p:cSld>
     <p:spTree>
@@ -7662,7 +8484,7 @@
 </p:sld>
 </file>
 
-<file path=ppt/slides/slide13.xml><?xml version="1.0" encoding="utf-8"?>
+<file path=ppt/slides/slide14.xml><?xml version="1.0" encoding="utf-8"?>
 <p:sld xmlns:a="http://schemas.openxmlformats.org/drawingml/2006/main" xmlns:r="http://schemas.openxmlformats.org/officeDocument/2006/relationships" xmlns:p="http://schemas.openxmlformats.org/presentationml/2006/main">
   <p:cSld>
     <p:spTree>
@@ -7718,8 +8540,8 @@
         </p:nvSpPr>
         <p:spPr>
           <a:xfrm>
-            <a:off x="503364" y="1311965"/>
-            <a:ext cx="6996662" cy="4956633"/>
+            <a:off x="503364" y="1105233"/>
+            <a:ext cx="6996662" cy="5163366"/>
           </a:xfrm>
           <a:prstGeom prst="rect">
             <a:avLst/>
@@ -7975,6 +8797,15 @@
             </a:r>
           </a:p>
           <a:p>
+            <a:endParaRPr lang="en-GB" dirty="0">
+              <a:solidFill>
+                <a:schemeClr val="tx1"/>
+              </a:solidFill>
+              <a:latin typeface="Consolas" panose="020B0609020204030204" pitchFamily="49" charset="0"/>
+              <a:cs typeface="Consolas" panose="020B0609020204030204" pitchFamily="49" charset="0"/>
+            </a:endParaRPr>
+          </a:p>
+          <a:p>
             <a:r>
               <a:rPr lang="en-GB" dirty="0">
                 <a:solidFill>
@@ -8073,6 +8904,15 @@
                 <a:cs typeface="Consolas" panose="020B0609020204030204" pitchFamily="49" charset="0"/>
               </a:rPr>
             </a:br>
+            <a:endParaRPr lang="en-GB" dirty="0">
+              <a:solidFill>
+                <a:schemeClr val="tx1"/>
+              </a:solidFill>
+              <a:latin typeface="Consolas" panose="020B0609020204030204" pitchFamily="49" charset="0"/>
+              <a:cs typeface="Consolas" panose="020B0609020204030204" pitchFamily="49" charset="0"/>
+            </a:endParaRPr>
+          </a:p>
+          <a:p>
             <a:r>
               <a:rPr lang="en-GB" dirty="0">
                 <a:solidFill>
@@ -8083,6 +8923,9 @@
               </a:rPr>
               <a:t>    public string Locale { get; set; }</a:t>
             </a:r>
+          </a:p>
+          <a:p>
+            <a:endParaRPr lang="en-GB" dirty="0"/>
           </a:p>
           <a:p>
             <a:r>
@@ -8497,378 +9340,6 @@
 </p:sld>
 </file>
 
-<file path=ppt/slides/slide14.xml><?xml version="1.0" encoding="utf-8"?>
-<p:sld xmlns:a="http://schemas.openxmlformats.org/drawingml/2006/main" xmlns:r="http://schemas.openxmlformats.org/officeDocument/2006/relationships" xmlns:p="http://schemas.openxmlformats.org/presentationml/2006/main">
-  <p:cSld>
-    <p:spTree>
-      <p:nvGrpSpPr>
-        <p:cNvPr id="1" name=""/>
-        <p:cNvGrpSpPr/>
-        <p:nvPr/>
-      </p:nvGrpSpPr>
-      <p:grpSpPr>
-        <a:xfrm>
-          <a:off x="0" y="0"/>
-          <a:ext cx="0" cy="0"/>
-          <a:chOff x="0" y="0"/>
-          <a:chExt cx="0" cy="0"/>
-        </a:xfrm>
-      </p:grpSpPr>
-      <p:sp>
-        <p:nvSpPr>
-          <p:cNvPr id="2" name="Title 1"/>
-          <p:cNvSpPr>
-            <a:spLocks noGrp="1"/>
-          </p:cNvSpPr>
-          <p:nvPr>
-            <p:ph type="title"/>
-          </p:nvPr>
-        </p:nvSpPr>
-        <p:spPr/>
-        <p:txBody>
-          <a:bodyPr/>
-          <a:lstStyle/>
-          <a:p>
-            <a:r>
-              <a:rPr lang="da-DK" dirty="0" err="1"/>
-              <a:t>JsonSerializer</a:t>
-            </a:r>
-            <a:r>
-              <a:rPr lang="da-DK" dirty="0"/>
-              <a:t> – </a:t>
-            </a:r>
-            <a:r>
-              <a:rPr lang="da-DK" dirty="0" err="1"/>
-              <a:t>Error</a:t>
-            </a:r>
-            <a:r>
-              <a:rPr lang="da-DK" dirty="0"/>
-              <a:t> handling</a:t>
-            </a:r>
-          </a:p>
-        </p:txBody>
-      </p:sp>
-      <p:sp>
-        <p:nvSpPr>
-          <p:cNvPr id="3" name="Content Placeholder 2"/>
-          <p:cNvSpPr>
-            <a:spLocks noGrp="1"/>
-          </p:cNvSpPr>
-          <p:nvPr>
-            <p:ph idx="1"/>
-          </p:nvPr>
-        </p:nvSpPr>
-        <p:spPr/>
-        <p:txBody>
-          <a:bodyPr/>
-          <a:lstStyle/>
-          <a:p>
-            <a:pPr marL="0" indent="0">
-              <a:buNone/>
-            </a:pPr>
-            <a:r>
-              <a:rPr lang="da-DK" dirty="0"/>
-              <a:t>The </a:t>
-            </a:r>
-            <a:r>
-              <a:rPr lang="da-DK" dirty="0" err="1"/>
-              <a:t>JsonSerializer</a:t>
-            </a:r>
-            <a:r>
-              <a:rPr lang="da-DK" dirty="0"/>
-              <a:t> </a:t>
-            </a:r>
-            <a:r>
-              <a:rPr lang="da-DK" dirty="0" err="1"/>
-              <a:t>throws</a:t>
-            </a:r>
-            <a:r>
-              <a:rPr lang="da-DK" dirty="0"/>
-              <a:t> an </a:t>
-            </a:r>
-            <a:r>
-              <a:rPr lang="da-DK" dirty="0" err="1"/>
-              <a:t>exception</a:t>
-            </a:r>
-            <a:r>
-              <a:rPr lang="da-DK" dirty="0"/>
-              <a:t>, if the </a:t>
-            </a:r>
-            <a:r>
-              <a:rPr lang="da-DK" dirty="0" err="1"/>
-              <a:t>Json</a:t>
-            </a:r>
-            <a:r>
-              <a:rPr lang="da-DK" dirty="0"/>
-              <a:t> </a:t>
-            </a:r>
-            <a:r>
-              <a:rPr lang="da-DK" dirty="0" err="1"/>
-              <a:t>can’t</a:t>
-            </a:r>
-            <a:r>
-              <a:rPr lang="da-DK" dirty="0"/>
-              <a:t> </a:t>
-            </a:r>
-            <a:r>
-              <a:rPr lang="da-DK" dirty="0" err="1"/>
-              <a:t>be</a:t>
-            </a:r>
-            <a:r>
-              <a:rPr lang="da-DK" dirty="0"/>
-              <a:t> de-</a:t>
-            </a:r>
-            <a:r>
-              <a:rPr lang="da-DK" dirty="0" err="1"/>
-              <a:t>serialized</a:t>
-            </a:r>
-            <a:r>
-              <a:rPr lang="da-DK" dirty="0"/>
-              <a:t> to the </a:t>
-            </a:r>
-            <a:r>
-              <a:rPr lang="da-DK" dirty="0" err="1"/>
-              <a:t>object</a:t>
-            </a:r>
-            <a:r>
-              <a:rPr lang="da-DK" dirty="0"/>
-              <a:t> </a:t>
-            </a:r>
-            <a:r>
-              <a:rPr lang="da-DK" dirty="0" err="1"/>
-              <a:t>graph</a:t>
-            </a:r>
-            <a:r>
-              <a:rPr lang="da-DK" dirty="0"/>
-              <a:t>.</a:t>
-            </a:r>
-          </a:p>
-          <a:p>
-            <a:pPr marL="0" indent="0">
-              <a:buNone/>
-            </a:pPr>
-            <a:endParaRPr lang="da-DK" dirty="0"/>
-          </a:p>
-          <a:p>
-            <a:pPr marL="0" indent="0">
-              <a:buNone/>
-            </a:pPr>
-            <a:r>
-              <a:rPr lang="da-DK" dirty="0" err="1"/>
-              <a:t>You</a:t>
-            </a:r>
-            <a:r>
-              <a:rPr lang="da-DK" dirty="0"/>
-              <a:t> </a:t>
-            </a:r>
-            <a:r>
-              <a:rPr lang="da-DK" dirty="0" err="1"/>
-              <a:t>need</a:t>
-            </a:r>
-            <a:r>
-              <a:rPr lang="da-DK" dirty="0"/>
-              <a:t> to handle </a:t>
-            </a:r>
-            <a:r>
-              <a:rPr lang="da-DK" dirty="0" err="1"/>
-              <a:t>this</a:t>
-            </a:r>
-            <a:r>
-              <a:rPr lang="da-DK" dirty="0"/>
-              <a:t> in the </a:t>
-            </a:r>
-            <a:r>
-              <a:rPr lang="da-DK" dirty="0" err="1"/>
-              <a:t>code</a:t>
-            </a:r>
-            <a:r>
-              <a:rPr lang="da-DK" dirty="0"/>
-              <a:t>.</a:t>
-            </a:r>
-          </a:p>
-          <a:p>
-            <a:pPr marL="0" indent="0">
-              <a:buNone/>
-            </a:pPr>
-            <a:endParaRPr lang="da-DK" dirty="0"/>
-          </a:p>
-          <a:p>
-            <a:pPr marL="0" indent="0">
-              <a:buNone/>
-            </a:pPr>
-            <a:r>
-              <a:rPr lang="da-DK" dirty="0"/>
-              <a:t>A </a:t>
-            </a:r>
-            <a:r>
-              <a:rPr lang="da-DK" dirty="0" err="1"/>
-              <a:t>good</a:t>
-            </a:r>
-            <a:r>
-              <a:rPr lang="da-DK" dirty="0"/>
-              <a:t> </a:t>
-            </a:r>
-            <a:r>
-              <a:rPr lang="da-DK" dirty="0" err="1"/>
-              <a:t>way</a:t>
-            </a:r>
-            <a:r>
-              <a:rPr lang="da-DK" dirty="0"/>
-              <a:t>:</a:t>
-            </a:r>
-          </a:p>
-          <a:p>
-            <a:pPr marL="457200" lvl="1" indent="0">
-              <a:buNone/>
-            </a:pPr>
-            <a:r>
-              <a:rPr lang="da-DK" dirty="0"/>
-              <a:t>Provide the user with an </a:t>
-            </a:r>
-            <a:r>
-              <a:rPr lang="da-DK" dirty="0" err="1"/>
-              <a:t>error</a:t>
-            </a:r>
-            <a:r>
-              <a:rPr lang="da-DK" dirty="0"/>
-              <a:t> </a:t>
-            </a:r>
-            <a:r>
-              <a:rPr lang="da-DK" dirty="0" err="1"/>
-              <a:t>message</a:t>
-            </a:r>
-            <a:r>
-              <a:rPr lang="da-DK" dirty="0"/>
-              <a:t>, </a:t>
-            </a:r>
-            <a:r>
-              <a:rPr lang="da-DK" dirty="0" err="1"/>
-              <a:t>create</a:t>
-            </a:r>
-            <a:r>
-              <a:rPr lang="da-DK" dirty="0"/>
-              <a:t> a valid </a:t>
-            </a:r>
-            <a:r>
-              <a:rPr lang="da-DK" dirty="0" err="1"/>
-              <a:t>configuration</a:t>
-            </a:r>
-            <a:r>
-              <a:rPr lang="da-DK" dirty="0"/>
-              <a:t> file, </a:t>
-            </a:r>
-            <a:r>
-              <a:rPr lang="da-DK" dirty="0" err="1"/>
-              <a:t>which</a:t>
-            </a:r>
-            <a:r>
-              <a:rPr lang="da-DK" dirty="0"/>
-              <a:t> the user </a:t>
-            </a:r>
-            <a:r>
-              <a:rPr lang="da-DK" dirty="0" err="1"/>
-              <a:t>can</a:t>
-            </a:r>
-            <a:r>
-              <a:rPr lang="da-DK" dirty="0"/>
-              <a:t> </a:t>
-            </a:r>
-            <a:r>
-              <a:rPr lang="da-DK" dirty="0" err="1"/>
-              <a:t>modify</a:t>
-            </a:r>
-            <a:r>
-              <a:rPr lang="da-DK" dirty="0"/>
-              <a:t> and exit the program.</a:t>
-            </a:r>
-          </a:p>
-          <a:p>
-            <a:pPr marL="457200" lvl="1" indent="0">
-              <a:buNone/>
-            </a:pPr>
-            <a:endParaRPr lang="da-DK" dirty="0"/>
-          </a:p>
-          <a:p>
-            <a:pPr marL="457200" lvl="1" indent="0">
-              <a:buNone/>
-            </a:pPr>
-            <a:r>
-              <a:rPr lang="da-DK" b="1" dirty="0" err="1"/>
-              <a:t>Don’t</a:t>
-            </a:r>
-            <a:r>
-              <a:rPr lang="da-DK" dirty="0"/>
-              <a:t> </a:t>
-            </a:r>
-            <a:r>
-              <a:rPr lang="da-DK" dirty="0" err="1"/>
-              <a:t>overwrite</a:t>
-            </a:r>
-            <a:r>
-              <a:rPr lang="da-DK" dirty="0"/>
-              <a:t> the bad </a:t>
-            </a:r>
-            <a:r>
-              <a:rPr lang="da-DK" dirty="0" err="1"/>
-              <a:t>configuration</a:t>
-            </a:r>
-            <a:r>
-              <a:rPr lang="da-DK" dirty="0"/>
-              <a:t> file.</a:t>
-            </a:r>
-          </a:p>
-          <a:p>
-            <a:pPr marL="457200" lvl="1" indent="0">
-              <a:buNone/>
-            </a:pPr>
-            <a:r>
-              <a:rPr lang="da-DK" dirty="0" err="1"/>
-              <a:t>Create</a:t>
-            </a:r>
-            <a:r>
-              <a:rPr lang="da-DK" dirty="0"/>
-              <a:t> </a:t>
-            </a:r>
-            <a:r>
-              <a:rPr lang="da-DK" dirty="0" err="1"/>
-              <a:t>something</a:t>
-            </a:r>
-            <a:r>
-              <a:rPr lang="da-DK" dirty="0"/>
-              <a:t> like ”</a:t>
-            </a:r>
-            <a:r>
-              <a:rPr lang="da-DK" b="1" dirty="0" err="1"/>
-              <a:t>hospitalbed.config.default</a:t>
-            </a:r>
-            <a:r>
-              <a:rPr lang="da-DK" dirty="0"/>
-              <a:t>” </a:t>
-            </a:r>
-            <a:r>
-              <a:rPr lang="da-DK" dirty="0" err="1"/>
-              <a:t>instead</a:t>
-            </a:r>
-            <a:r>
-              <a:rPr lang="da-DK" dirty="0"/>
-              <a:t>.</a:t>
-            </a:r>
-          </a:p>
-        </p:txBody>
-      </p:sp>
-    </p:spTree>
-    <p:extLst>
-      <p:ext uri="{BB962C8B-B14F-4D97-AF65-F5344CB8AC3E}">
-        <p14:creationId xmlns:p14="http://schemas.microsoft.com/office/powerpoint/2010/main" val="1877009578"/>
-      </p:ext>
-    </p:extLst>
-  </p:cSld>
-  <p:clrMapOvr>
-    <a:masterClrMapping/>
-  </p:clrMapOvr>
-</p:sld>
-</file>
-
 <file path=ppt/slides/slide15.xml><?xml version="1.0" encoding="utf-8"?>
 <p:sld xmlns:a="http://schemas.openxmlformats.org/drawingml/2006/main" xmlns:r="http://schemas.openxmlformats.org/officeDocument/2006/relationships" xmlns:p="http://schemas.openxmlformats.org/presentationml/2006/main">
   <p:cSld>
@@ -8888,6 +9359,378 @@
       </p:grpSpPr>
       <p:sp>
         <p:nvSpPr>
+          <p:cNvPr id="2" name="Title 1"/>
+          <p:cNvSpPr>
+            <a:spLocks noGrp="1"/>
+          </p:cNvSpPr>
+          <p:nvPr>
+            <p:ph type="title"/>
+          </p:nvPr>
+        </p:nvSpPr>
+        <p:spPr/>
+        <p:txBody>
+          <a:bodyPr/>
+          <a:lstStyle/>
+          <a:p>
+            <a:r>
+              <a:rPr lang="da-DK" dirty="0" err="1"/>
+              <a:t>JsonSerializer</a:t>
+            </a:r>
+            <a:r>
+              <a:rPr lang="da-DK" dirty="0"/>
+              <a:t> – </a:t>
+            </a:r>
+            <a:r>
+              <a:rPr lang="da-DK" dirty="0" err="1"/>
+              <a:t>Error</a:t>
+            </a:r>
+            <a:r>
+              <a:rPr lang="da-DK" dirty="0"/>
+              <a:t> handling</a:t>
+            </a:r>
+          </a:p>
+        </p:txBody>
+      </p:sp>
+      <p:sp>
+        <p:nvSpPr>
+          <p:cNvPr id="3" name="Content Placeholder 2"/>
+          <p:cNvSpPr>
+            <a:spLocks noGrp="1"/>
+          </p:cNvSpPr>
+          <p:nvPr>
+            <p:ph idx="1"/>
+          </p:nvPr>
+        </p:nvSpPr>
+        <p:spPr/>
+        <p:txBody>
+          <a:bodyPr/>
+          <a:lstStyle/>
+          <a:p>
+            <a:pPr marL="0" indent="0">
+              <a:buNone/>
+            </a:pPr>
+            <a:r>
+              <a:rPr lang="da-DK" dirty="0"/>
+              <a:t>The </a:t>
+            </a:r>
+            <a:r>
+              <a:rPr lang="da-DK" dirty="0" err="1"/>
+              <a:t>JsonSerializer</a:t>
+            </a:r>
+            <a:r>
+              <a:rPr lang="da-DK" dirty="0"/>
+              <a:t> </a:t>
+            </a:r>
+            <a:r>
+              <a:rPr lang="da-DK" dirty="0" err="1"/>
+              <a:t>throws</a:t>
+            </a:r>
+            <a:r>
+              <a:rPr lang="da-DK" dirty="0"/>
+              <a:t> an </a:t>
+            </a:r>
+            <a:r>
+              <a:rPr lang="da-DK" dirty="0" err="1"/>
+              <a:t>exception</a:t>
+            </a:r>
+            <a:r>
+              <a:rPr lang="da-DK" dirty="0"/>
+              <a:t>, if the </a:t>
+            </a:r>
+            <a:r>
+              <a:rPr lang="da-DK" dirty="0" err="1"/>
+              <a:t>Json</a:t>
+            </a:r>
+            <a:r>
+              <a:rPr lang="da-DK" dirty="0"/>
+              <a:t> </a:t>
+            </a:r>
+            <a:r>
+              <a:rPr lang="da-DK" dirty="0" err="1"/>
+              <a:t>can’t</a:t>
+            </a:r>
+            <a:r>
+              <a:rPr lang="da-DK" dirty="0"/>
+              <a:t> </a:t>
+            </a:r>
+            <a:r>
+              <a:rPr lang="da-DK" dirty="0" err="1"/>
+              <a:t>be</a:t>
+            </a:r>
+            <a:r>
+              <a:rPr lang="da-DK" dirty="0"/>
+              <a:t> de-</a:t>
+            </a:r>
+            <a:r>
+              <a:rPr lang="da-DK" dirty="0" err="1"/>
+              <a:t>serialized</a:t>
+            </a:r>
+            <a:r>
+              <a:rPr lang="da-DK" dirty="0"/>
+              <a:t> to the </a:t>
+            </a:r>
+            <a:r>
+              <a:rPr lang="da-DK" dirty="0" err="1"/>
+              <a:t>object</a:t>
+            </a:r>
+            <a:r>
+              <a:rPr lang="da-DK" dirty="0"/>
+              <a:t> </a:t>
+            </a:r>
+            <a:r>
+              <a:rPr lang="da-DK" dirty="0" err="1"/>
+              <a:t>graph</a:t>
+            </a:r>
+            <a:r>
+              <a:rPr lang="da-DK" dirty="0"/>
+              <a:t>.</a:t>
+            </a:r>
+          </a:p>
+          <a:p>
+            <a:pPr marL="0" indent="0">
+              <a:buNone/>
+            </a:pPr>
+            <a:endParaRPr lang="da-DK" dirty="0"/>
+          </a:p>
+          <a:p>
+            <a:pPr marL="0" indent="0">
+              <a:buNone/>
+            </a:pPr>
+            <a:r>
+              <a:rPr lang="da-DK" dirty="0" err="1"/>
+              <a:t>You</a:t>
+            </a:r>
+            <a:r>
+              <a:rPr lang="da-DK" dirty="0"/>
+              <a:t> </a:t>
+            </a:r>
+            <a:r>
+              <a:rPr lang="da-DK" dirty="0" err="1"/>
+              <a:t>need</a:t>
+            </a:r>
+            <a:r>
+              <a:rPr lang="da-DK" dirty="0"/>
+              <a:t> to handle </a:t>
+            </a:r>
+            <a:r>
+              <a:rPr lang="da-DK" dirty="0" err="1"/>
+              <a:t>this</a:t>
+            </a:r>
+            <a:r>
+              <a:rPr lang="da-DK" dirty="0"/>
+              <a:t> in the </a:t>
+            </a:r>
+            <a:r>
+              <a:rPr lang="da-DK" dirty="0" err="1"/>
+              <a:t>code</a:t>
+            </a:r>
+            <a:r>
+              <a:rPr lang="da-DK" dirty="0"/>
+              <a:t>.</a:t>
+            </a:r>
+          </a:p>
+          <a:p>
+            <a:pPr marL="0" indent="0">
+              <a:buNone/>
+            </a:pPr>
+            <a:endParaRPr lang="da-DK" dirty="0"/>
+          </a:p>
+          <a:p>
+            <a:pPr marL="0" indent="0">
+              <a:buNone/>
+            </a:pPr>
+            <a:r>
+              <a:rPr lang="da-DK" dirty="0"/>
+              <a:t>A </a:t>
+            </a:r>
+            <a:r>
+              <a:rPr lang="da-DK" dirty="0" err="1"/>
+              <a:t>good</a:t>
+            </a:r>
+            <a:r>
+              <a:rPr lang="da-DK" dirty="0"/>
+              <a:t> </a:t>
+            </a:r>
+            <a:r>
+              <a:rPr lang="da-DK" dirty="0" err="1"/>
+              <a:t>way</a:t>
+            </a:r>
+            <a:r>
+              <a:rPr lang="da-DK" dirty="0"/>
+              <a:t>:</a:t>
+            </a:r>
+          </a:p>
+          <a:p>
+            <a:pPr marL="457200" lvl="1" indent="0">
+              <a:buNone/>
+            </a:pPr>
+            <a:r>
+              <a:rPr lang="da-DK" dirty="0"/>
+              <a:t>Provide the user with an </a:t>
+            </a:r>
+            <a:r>
+              <a:rPr lang="da-DK" dirty="0" err="1"/>
+              <a:t>error</a:t>
+            </a:r>
+            <a:r>
+              <a:rPr lang="da-DK" dirty="0"/>
+              <a:t> </a:t>
+            </a:r>
+            <a:r>
+              <a:rPr lang="da-DK" dirty="0" err="1"/>
+              <a:t>message</a:t>
+            </a:r>
+            <a:r>
+              <a:rPr lang="da-DK" dirty="0"/>
+              <a:t>, </a:t>
+            </a:r>
+            <a:r>
+              <a:rPr lang="da-DK" dirty="0" err="1"/>
+              <a:t>create</a:t>
+            </a:r>
+            <a:r>
+              <a:rPr lang="da-DK" dirty="0"/>
+              <a:t> a valid </a:t>
+            </a:r>
+            <a:r>
+              <a:rPr lang="da-DK" dirty="0" err="1"/>
+              <a:t>configuration</a:t>
+            </a:r>
+            <a:r>
+              <a:rPr lang="da-DK" dirty="0"/>
+              <a:t> file, </a:t>
+            </a:r>
+            <a:r>
+              <a:rPr lang="da-DK" dirty="0" err="1"/>
+              <a:t>which</a:t>
+            </a:r>
+            <a:r>
+              <a:rPr lang="da-DK" dirty="0"/>
+              <a:t> the user </a:t>
+            </a:r>
+            <a:r>
+              <a:rPr lang="da-DK" dirty="0" err="1"/>
+              <a:t>can</a:t>
+            </a:r>
+            <a:r>
+              <a:rPr lang="da-DK" dirty="0"/>
+              <a:t> </a:t>
+            </a:r>
+            <a:r>
+              <a:rPr lang="da-DK" dirty="0" err="1"/>
+              <a:t>modify</a:t>
+            </a:r>
+            <a:r>
+              <a:rPr lang="da-DK" dirty="0"/>
+              <a:t> and exit the program.</a:t>
+            </a:r>
+          </a:p>
+          <a:p>
+            <a:pPr marL="457200" lvl="1" indent="0">
+              <a:buNone/>
+            </a:pPr>
+            <a:endParaRPr lang="da-DK" dirty="0"/>
+          </a:p>
+          <a:p>
+            <a:pPr marL="457200" lvl="1" indent="0">
+              <a:buNone/>
+            </a:pPr>
+            <a:r>
+              <a:rPr lang="da-DK" b="1" dirty="0" err="1"/>
+              <a:t>Don’t</a:t>
+            </a:r>
+            <a:r>
+              <a:rPr lang="da-DK" dirty="0"/>
+              <a:t> </a:t>
+            </a:r>
+            <a:r>
+              <a:rPr lang="da-DK" dirty="0" err="1"/>
+              <a:t>overwrite</a:t>
+            </a:r>
+            <a:r>
+              <a:rPr lang="da-DK" dirty="0"/>
+              <a:t> the bad </a:t>
+            </a:r>
+            <a:r>
+              <a:rPr lang="da-DK" dirty="0" err="1"/>
+              <a:t>configuration</a:t>
+            </a:r>
+            <a:r>
+              <a:rPr lang="da-DK" dirty="0"/>
+              <a:t> file.</a:t>
+            </a:r>
+          </a:p>
+          <a:p>
+            <a:pPr marL="457200" lvl="1" indent="0">
+              <a:buNone/>
+            </a:pPr>
+            <a:r>
+              <a:rPr lang="da-DK" dirty="0" err="1"/>
+              <a:t>Create</a:t>
+            </a:r>
+            <a:r>
+              <a:rPr lang="da-DK" dirty="0"/>
+              <a:t> </a:t>
+            </a:r>
+            <a:r>
+              <a:rPr lang="da-DK" dirty="0" err="1"/>
+              <a:t>something</a:t>
+            </a:r>
+            <a:r>
+              <a:rPr lang="da-DK" dirty="0"/>
+              <a:t> like ”</a:t>
+            </a:r>
+            <a:r>
+              <a:rPr lang="da-DK" b="1" dirty="0" err="1"/>
+              <a:t>hospitalbed.config.default</a:t>
+            </a:r>
+            <a:r>
+              <a:rPr lang="da-DK" dirty="0"/>
+              <a:t>” </a:t>
+            </a:r>
+            <a:r>
+              <a:rPr lang="da-DK" dirty="0" err="1"/>
+              <a:t>instead</a:t>
+            </a:r>
+            <a:r>
+              <a:rPr lang="da-DK" dirty="0"/>
+              <a:t>.</a:t>
+            </a:r>
+          </a:p>
+        </p:txBody>
+      </p:sp>
+    </p:spTree>
+    <p:extLst>
+      <p:ext uri="{BB962C8B-B14F-4D97-AF65-F5344CB8AC3E}">
+        <p14:creationId xmlns:p14="http://schemas.microsoft.com/office/powerpoint/2010/main" val="1877009578"/>
+      </p:ext>
+    </p:extLst>
+  </p:cSld>
+  <p:clrMapOvr>
+    <a:masterClrMapping/>
+  </p:clrMapOvr>
+</p:sld>
+</file>
+
+<file path=ppt/slides/slide16.xml><?xml version="1.0" encoding="utf-8"?>
+<p:sld xmlns:a="http://schemas.openxmlformats.org/drawingml/2006/main" xmlns:r="http://schemas.openxmlformats.org/officeDocument/2006/relationships" xmlns:p="http://schemas.openxmlformats.org/presentationml/2006/main">
+  <p:cSld>
+    <p:spTree>
+      <p:nvGrpSpPr>
+        <p:cNvPr id="1" name=""/>
+        <p:cNvGrpSpPr/>
+        <p:nvPr/>
+      </p:nvGrpSpPr>
+      <p:grpSpPr>
+        <a:xfrm>
+          <a:off x="0" y="0"/>
+          <a:ext cx="0" cy="0"/>
+          <a:chOff x="0" y="0"/>
+          <a:chExt cx="0" cy="0"/>
+        </a:xfrm>
+      </p:grpSpPr>
+      <p:sp>
+        <p:nvSpPr>
           <p:cNvPr id="4" name="Title 3"/>
           <p:cNvSpPr>
             <a:spLocks noGrp="1"/>
@@ -8941,7 +9784,7 @@
 </p:sld>
 </file>
 
-<file path=ppt/slides/slide16.xml><?xml version="1.0" encoding="utf-8"?>
+<file path=ppt/slides/slide17.xml><?xml version="1.0" encoding="utf-8"?>
 <p:sld xmlns:a="http://schemas.openxmlformats.org/drawingml/2006/main" xmlns:r="http://schemas.openxmlformats.org/officeDocument/2006/relationships" xmlns:p="http://schemas.openxmlformats.org/presentationml/2006/main">
   <p:cSld>
     <p:spTree>
@@ -9636,7 +10479,7 @@
 </p:sld>
 </file>
 
-<file path=ppt/slides/slide17.xml><?xml version="1.0" encoding="utf-8"?>
+<file path=ppt/slides/slide18.xml><?xml version="1.0" encoding="utf-8"?>
 <p:sld xmlns:a="http://schemas.openxmlformats.org/drawingml/2006/main" xmlns:r="http://schemas.openxmlformats.org/officeDocument/2006/relationships" xmlns:p="http://schemas.openxmlformats.org/presentationml/2006/main">
   <p:cSld>
     <p:spTree>
@@ -10367,7 +11210,7 @@
 </p:sld>
 </file>
 
-<file path=ppt/slides/slide18.xml><?xml version="1.0" encoding="utf-8"?>
+<file path=ppt/slides/slide19.xml><?xml version="1.0" encoding="utf-8"?>
 <p:sld xmlns:a="http://schemas.openxmlformats.org/drawingml/2006/main" xmlns:r="http://schemas.openxmlformats.org/officeDocument/2006/relationships" xmlns:p="http://schemas.openxmlformats.org/presentationml/2006/main">
   <p:cSld>
     <p:spTree>
@@ -11353,7 +12196,171 @@
 </p:sld>
 </file>
 
-<file path=ppt/slides/slide19.xml><?xml version="1.0" encoding="utf-8"?>
+<file path=ppt/slides/slide2.xml><?xml version="1.0" encoding="utf-8"?>
+<p:sld xmlns:a="http://schemas.openxmlformats.org/drawingml/2006/main" xmlns:r="http://schemas.openxmlformats.org/officeDocument/2006/relationships" xmlns:p="http://schemas.openxmlformats.org/presentationml/2006/main">
+  <p:cSld>
+    <p:spTree>
+      <p:nvGrpSpPr>
+        <p:cNvPr id="1" name=""/>
+        <p:cNvGrpSpPr/>
+        <p:nvPr/>
+      </p:nvGrpSpPr>
+      <p:grpSpPr>
+        <a:xfrm>
+          <a:off x="0" y="0"/>
+          <a:ext cx="0" cy="0"/>
+          <a:chOff x="0" y="0"/>
+          <a:chExt cx="0" cy="0"/>
+        </a:xfrm>
+      </p:grpSpPr>
+      <p:sp>
+        <p:nvSpPr>
+          <p:cNvPr id="2" name="Title 1"/>
+          <p:cNvSpPr>
+            <a:spLocks noGrp="1"/>
+          </p:cNvSpPr>
+          <p:nvPr>
+            <p:ph type="title"/>
+          </p:nvPr>
+        </p:nvSpPr>
+        <p:spPr/>
+        <p:txBody>
+          <a:bodyPr/>
+          <a:lstStyle/>
+          <a:p>
+            <a:r>
+              <a:rPr lang="da-DK" dirty="0"/>
+              <a:t>Agenda</a:t>
+            </a:r>
+          </a:p>
+        </p:txBody>
+      </p:sp>
+      <p:sp>
+        <p:nvSpPr>
+          <p:cNvPr id="3" name="Content Placeholder 2"/>
+          <p:cNvSpPr>
+            <a:spLocks noGrp="1"/>
+          </p:cNvSpPr>
+          <p:nvPr>
+            <p:ph idx="1"/>
+          </p:nvPr>
+        </p:nvSpPr>
+        <p:spPr/>
+        <p:txBody>
+          <a:bodyPr/>
+          <a:lstStyle/>
+          <a:p>
+            <a:pPr marL="0" indent="0">
+              <a:buNone/>
+            </a:pPr>
+            <a:r>
+              <a:rPr lang="da-DK" dirty="0" err="1"/>
+              <a:t>Why</a:t>
+            </a:r>
+            <a:r>
+              <a:rPr lang="da-DK" dirty="0"/>
+              <a:t> do </a:t>
+            </a:r>
+            <a:r>
+              <a:rPr lang="da-DK" dirty="0" err="1"/>
+              <a:t>we</a:t>
+            </a:r>
+            <a:r>
+              <a:rPr lang="da-DK" dirty="0"/>
+              <a:t> </a:t>
+            </a:r>
+            <a:r>
+              <a:rPr lang="da-DK" dirty="0" err="1"/>
+              <a:t>need</a:t>
+            </a:r>
+            <a:r>
+              <a:rPr lang="da-DK" dirty="0"/>
+              <a:t> </a:t>
+            </a:r>
+            <a:r>
+              <a:rPr lang="da-DK" dirty="0" err="1"/>
+              <a:t>configuration</a:t>
+            </a:r>
+            <a:r>
+              <a:rPr lang="da-DK" dirty="0"/>
+              <a:t> files?</a:t>
+            </a:r>
+          </a:p>
+          <a:p>
+            <a:pPr marL="0" indent="0">
+              <a:buNone/>
+            </a:pPr>
+            <a:endParaRPr lang="da-DK" dirty="0"/>
+          </a:p>
+          <a:p>
+            <a:pPr marL="0" indent="0">
+              <a:buNone/>
+            </a:pPr>
+            <a:r>
+              <a:rPr lang="da-DK" dirty="0"/>
+              <a:t>How to </a:t>
+            </a:r>
+            <a:r>
+              <a:rPr lang="da-DK" dirty="0" err="1"/>
+              <a:t>read</a:t>
+            </a:r>
+            <a:r>
+              <a:rPr lang="da-DK" dirty="0"/>
+              <a:t> and </a:t>
+            </a:r>
+            <a:r>
+              <a:rPr lang="da-DK" dirty="0" err="1"/>
+              <a:t>write</a:t>
+            </a:r>
+            <a:r>
+              <a:rPr lang="da-DK" dirty="0"/>
+              <a:t> </a:t>
+            </a:r>
+            <a:r>
+              <a:rPr lang="da-DK" dirty="0" err="1"/>
+              <a:t>configuration</a:t>
+            </a:r>
+            <a:r>
+              <a:rPr lang="da-DK" dirty="0"/>
+              <a:t> files</a:t>
+            </a:r>
+          </a:p>
+          <a:p>
+            <a:pPr marL="457200" lvl="1" indent="0">
+              <a:buNone/>
+            </a:pPr>
+            <a:endParaRPr lang="da-DK" dirty="0"/>
+          </a:p>
+          <a:p>
+            <a:pPr marL="0" indent="0">
+              <a:buNone/>
+            </a:pPr>
+            <a:r>
+              <a:rPr lang="da-DK" dirty="0"/>
+              <a:t>Default </a:t>
+            </a:r>
+            <a:r>
+              <a:rPr lang="da-DK" dirty="0" err="1"/>
+              <a:t>configuration</a:t>
+            </a:r>
+            <a:endParaRPr lang="da-DK" dirty="0"/>
+          </a:p>
+        </p:txBody>
+      </p:sp>
+    </p:spTree>
+    <p:extLst>
+      <p:ext uri="{BB962C8B-B14F-4D97-AF65-F5344CB8AC3E}">
+        <p14:creationId xmlns:p14="http://schemas.microsoft.com/office/powerpoint/2010/main" val="3357163894"/>
+      </p:ext>
+    </p:extLst>
+  </p:cSld>
+  <p:clrMapOvr>
+    <a:masterClrMapping/>
+  </p:clrMapOvr>
+</p:sld>
+</file>
+
+<file path=ppt/slides/slide20.xml><?xml version="1.0" encoding="utf-8"?>
 <p:sld xmlns:a="http://schemas.openxmlformats.org/drawingml/2006/main" xmlns:r="http://schemas.openxmlformats.org/officeDocument/2006/relationships" xmlns:p="http://schemas.openxmlformats.org/presentationml/2006/main">
   <p:cSld>
     <p:spTree>
@@ -11833,171 +12840,7 @@
 </p:sld>
 </file>
 
-<file path=ppt/slides/slide2.xml><?xml version="1.0" encoding="utf-8"?>
-<p:sld xmlns:a="http://schemas.openxmlformats.org/drawingml/2006/main" xmlns:r="http://schemas.openxmlformats.org/officeDocument/2006/relationships" xmlns:p="http://schemas.openxmlformats.org/presentationml/2006/main">
-  <p:cSld>
-    <p:spTree>
-      <p:nvGrpSpPr>
-        <p:cNvPr id="1" name=""/>
-        <p:cNvGrpSpPr/>
-        <p:nvPr/>
-      </p:nvGrpSpPr>
-      <p:grpSpPr>
-        <a:xfrm>
-          <a:off x="0" y="0"/>
-          <a:ext cx="0" cy="0"/>
-          <a:chOff x="0" y="0"/>
-          <a:chExt cx="0" cy="0"/>
-        </a:xfrm>
-      </p:grpSpPr>
-      <p:sp>
-        <p:nvSpPr>
-          <p:cNvPr id="2" name="Title 1"/>
-          <p:cNvSpPr>
-            <a:spLocks noGrp="1"/>
-          </p:cNvSpPr>
-          <p:nvPr>
-            <p:ph type="title"/>
-          </p:nvPr>
-        </p:nvSpPr>
-        <p:spPr/>
-        <p:txBody>
-          <a:bodyPr/>
-          <a:lstStyle/>
-          <a:p>
-            <a:r>
-              <a:rPr lang="da-DK" dirty="0"/>
-              <a:t>Agenda</a:t>
-            </a:r>
-          </a:p>
-        </p:txBody>
-      </p:sp>
-      <p:sp>
-        <p:nvSpPr>
-          <p:cNvPr id="3" name="Content Placeholder 2"/>
-          <p:cNvSpPr>
-            <a:spLocks noGrp="1"/>
-          </p:cNvSpPr>
-          <p:nvPr>
-            <p:ph idx="1"/>
-          </p:nvPr>
-        </p:nvSpPr>
-        <p:spPr/>
-        <p:txBody>
-          <a:bodyPr/>
-          <a:lstStyle/>
-          <a:p>
-            <a:pPr marL="0" indent="0">
-              <a:buNone/>
-            </a:pPr>
-            <a:r>
-              <a:rPr lang="da-DK" dirty="0" err="1"/>
-              <a:t>Why</a:t>
-            </a:r>
-            <a:r>
-              <a:rPr lang="da-DK" dirty="0"/>
-              <a:t> do </a:t>
-            </a:r>
-            <a:r>
-              <a:rPr lang="da-DK" dirty="0" err="1"/>
-              <a:t>we</a:t>
-            </a:r>
-            <a:r>
-              <a:rPr lang="da-DK" dirty="0"/>
-              <a:t> </a:t>
-            </a:r>
-            <a:r>
-              <a:rPr lang="da-DK" dirty="0" err="1"/>
-              <a:t>need</a:t>
-            </a:r>
-            <a:r>
-              <a:rPr lang="da-DK" dirty="0"/>
-              <a:t> </a:t>
-            </a:r>
-            <a:r>
-              <a:rPr lang="da-DK" dirty="0" err="1"/>
-              <a:t>configuration</a:t>
-            </a:r>
-            <a:r>
-              <a:rPr lang="da-DK" dirty="0"/>
-              <a:t> files?</a:t>
-            </a:r>
-          </a:p>
-          <a:p>
-            <a:pPr marL="0" indent="0">
-              <a:buNone/>
-            </a:pPr>
-            <a:endParaRPr lang="da-DK" dirty="0"/>
-          </a:p>
-          <a:p>
-            <a:pPr marL="0" indent="0">
-              <a:buNone/>
-            </a:pPr>
-            <a:r>
-              <a:rPr lang="da-DK" dirty="0"/>
-              <a:t>How to </a:t>
-            </a:r>
-            <a:r>
-              <a:rPr lang="da-DK" dirty="0" err="1"/>
-              <a:t>read</a:t>
-            </a:r>
-            <a:r>
-              <a:rPr lang="da-DK" dirty="0"/>
-              <a:t> and </a:t>
-            </a:r>
-            <a:r>
-              <a:rPr lang="da-DK" dirty="0" err="1"/>
-              <a:t>write</a:t>
-            </a:r>
-            <a:r>
-              <a:rPr lang="da-DK" dirty="0"/>
-              <a:t> </a:t>
-            </a:r>
-            <a:r>
-              <a:rPr lang="da-DK" dirty="0" err="1"/>
-              <a:t>configuration</a:t>
-            </a:r>
-            <a:r>
-              <a:rPr lang="da-DK" dirty="0"/>
-              <a:t> files</a:t>
-            </a:r>
-          </a:p>
-          <a:p>
-            <a:pPr marL="457200" lvl="1" indent="0">
-              <a:buNone/>
-            </a:pPr>
-            <a:endParaRPr lang="da-DK" dirty="0"/>
-          </a:p>
-          <a:p>
-            <a:pPr marL="0" indent="0">
-              <a:buNone/>
-            </a:pPr>
-            <a:r>
-              <a:rPr lang="da-DK" dirty="0"/>
-              <a:t>Default </a:t>
-            </a:r>
-            <a:r>
-              <a:rPr lang="da-DK" dirty="0" err="1"/>
-              <a:t>configuration</a:t>
-            </a:r>
-            <a:endParaRPr lang="da-DK" dirty="0"/>
-          </a:p>
-        </p:txBody>
-      </p:sp>
-    </p:spTree>
-    <p:extLst>
-      <p:ext uri="{BB962C8B-B14F-4D97-AF65-F5344CB8AC3E}">
-        <p14:creationId xmlns:p14="http://schemas.microsoft.com/office/powerpoint/2010/main" val="3357163894"/>
-      </p:ext>
-    </p:extLst>
-  </p:cSld>
-  <p:clrMapOvr>
-    <a:masterClrMapping/>
-  </p:clrMapOvr>
-</p:sld>
-</file>
-
-<file path=ppt/slides/slide20.xml><?xml version="1.0" encoding="utf-8"?>
+<file path=ppt/slides/slide21.xml><?xml version="1.0" encoding="utf-8"?>
 <p:sld xmlns:a="http://schemas.openxmlformats.org/drawingml/2006/main" xmlns:r="http://schemas.openxmlformats.org/officeDocument/2006/relationships" xmlns:p="http://schemas.openxmlformats.org/presentationml/2006/main">
   <p:cSld>
     <p:spTree>
@@ -12272,7 +13115,7 @@
 </p:sld>
 </file>
 
-<file path=ppt/slides/slide21.xml><?xml version="1.0" encoding="utf-8"?>
+<file path=ppt/slides/slide22.xml><?xml version="1.0" encoding="utf-8"?>
 <p:sld xmlns:a="http://schemas.openxmlformats.org/drawingml/2006/main" xmlns:r="http://schemas.openxmlformats.org/officeDocument/2006/relationships" xmlns:p="http://schemas.openxmlformats.org/presentationml/2006/main">
   <p:cSld>
     <p:spTree>
@@ -12369,7 +13212,7 @@
 </p:sld>
 </file>
 
-<file path=ppt/slides/slide22.xml><?xml version="1.0" encoding="utf-8"?>
+<file path=ppt/slides/slide23.xml><?xml version="1.0" encoding="utf-8"?>
 <p:sld xmlns:a="http://schemas.openxmlformats.org/drawingml/2006/main" xmlns:r="http://schemas.openxmlformats.org/officeDocument/2006/relationships" xmlns:p="http://schemas.openxmlformats.org/presentationml/2006/main">
   <p:cSld>
     <p:spTree>
@@ -12443,7 +13286,7 @@
 </p:sld>
 </file>
 
-<file path=ppt/slides/slide23.xml><?xml version="1.0" encoding="utf-8"?>
+<file path=ppt/slides/slide24.xml><?xml version="1.0" encoding="utf-8"?>
 <p:sld xmlns:a="http://schemas.openxmlformats.org/drawingml/2006/main" xmlns:r="http://schemas.openxmlformats.org/officeDocument/2006/relationships" xmlns:p="http://schemas.openxmlformats.org/presentationml/2006/main">
   <p:cSld>
     <p:spTree>
@@ -12765,7 +13608,7 @@
 </p:sld>
 </file>
 
-<file path=ppt/slides/slide24.xml><?xml version="1.0" encoding="utf-8"?>
+<file path=ppt/slides/slide25.xml><?xml version="1.0" encoding="utf-8"?>
 <p:sld xmlns:a="http://schemas.openxmlformats.org/drawingml/2006/main" xmlns:r="http://schemas.openxmlformats.org/officeDocument/2006/relationships" xmlns:p="http://schemas.openxmlformats.org/presentationml/2006/main">
   <p:cSld>
     <p:spTree>
@@ -12987,7 +13830,7 @@
 </p:sld>
 </file>
 
-<file path=ppt/slides/slide25.xml><?xml version="1.0" encoding="utf-8"?>
+<file path=ppt/slides/slide26.xml><?xml version="1.0" encoding="utf-8"?>
 <p:sld xmlns:a="http://schemas.openxmlformats.org/drawingml/2006/main" xmlns:r="http://schemas.openxmlformats.org/officeDocument/2006/relationships" xmlns:p="http://schemas.openxmlformats.org/presentationml/2006/main">
   <p:cSld>
     <p:spTree>
@@ -13761,7 +14604,7 @@
 </p:sld>
 </file>
 
-<file path=ppt/slides/slide26.xml><?xml version="1.0" encoding="utf-8"?>
+<file path=ppt/slides/slide27.xml><?xml version="1.0" encoding="utf-8"?>
 <p:sld xmlns:a="http://schemas.openxmlformats.org/drawingml/2006/main" xmlns:r="http://schemas.openxmlformats.org/officeDocument/2006/relationships" xmlns:p="http://schemas.openxmlformats.org/presentationml/2006/main">
   <p:cSld>
     <p:spTree>
@@ -14556,7 +15399,7 @@
 </p:sld>
 </file>
 
-<file path=ppt/slides/slide27.xml><?xml version="1.0" encoding="utf-8"?>
+<file path=ppt/slides/slide28.xml><?xml version="1.0" encoding="utf-8"?>
 <p:sld xmlns:a="http://schemas.openxmlformats.org/drawingml/2006/main" xmlns:r="http://schemas.openxmlformats.org/officeDocument/2006/relationships" xmlns:p="http://schemas.openxmlformats.org/presentationml/2006/main">
   <p:cSld>
     <p:spTree>
@@ -15296,152 +16139,6 @@
 </p:sld>
 </file>
 
-<file path=ppt/slides/slide28.xml><?xml version="1.0" encoding="utf-8"?>
-<p:sld xmlns:a="http://schemas.openxmlformats.org/drawingml/2006/main" xmlns:r="http://schemas.openxmlformats.org/officeDocument/2006/relationships" xmlns:p="http://schemas.openxmlformats.org/presentationml/2006/main">
-  <p:cSld>
-    <p:spTree>
-      <p:nvGrpSpPr>
-        <p:cNvPr id="1" name=""/>
-        <p:cNvGrpSpPr/>
-        <p:nvPr/>
-      </p:nvGrpSpPr>
-      <p:grpSpPr>
-        <a:xfrm>
-          <a:off x="0" y="0"/>
-          <a:ext cx="0" cy="0"/>
-          <a:chOff x="0" y="0"/>
-          <a:chExt cx="0" cy="0"/>
-        </a:xfrm>
-      </p:grpSpPr>
-      <p:sp>
-        <p:nvSpPr>
-          <p:cNvPr id="3" name="Title 2"/>
-          <p:cNvSpPr>
-            <a:spLocks noGrp="1"/>
-          </p:cNvSpPr>
-          <p:nvPr>
-            <p:ph type="title"/>
-          </p:nvPr>
-        </p:nvSpPr>
-        <p:spPr/>
-        <p:txBody>
-          <a:bodyPr/>
-          <a:lstStyle/>
-          <a:p>
-            <a:r>
-              <a:rPr lang="da-DK" dirty="0"/>
-              <a:t>References and image </a:t>
-            </a:r>
-            <a:r>
-              <a:rPr lang="da-DK" dirty="0" err="1"/>
-              <a:t>sources</a:t>
-            </a:r>
-            <a:endParaRPr lang="da-DK" dirty="0"/>
-          </a:p>
-        </p:txBody>
-      </p:sp>
-      <p:sp>
-        <p:nvSpPr>
-          <p:cNvPr id="4" name="Content Placeholder 3"/>
-          <p:cNvSpPr>
-            <a:spLocks noGrp="1"/>
-          </p:cNvSpPr>
-          <p:nvPr>
-            <p:ph idx="1"/>
-          </p:nvPr>
-        </p:nvSpPr>
-        <p:spPr/>
-        <p:txBody>
-          <a:bodyPr>
-            <a:normAutofit/>
-          </a:bodyPr>
-          <a:lstStyle/>
-          <a:p>
-            <a:pPr marL="0" indent="0">
-              <a:buNone/>
-            </a:pPr>
-            <a:r>
-              <a:rPr lang="da-DK" sz="1800" dirty="0"/>
-              <a:t>Images:</a:t>
-            </a:r>
-          </a:p>
-          <a:p>
-            <a:pPr marL="0" indent="0">
-              <a:buNone/>
-            </a:pPr>
-            <a:r>
-              <a:rPr lang="da-DK" sz="1800" dirty="0"/>
-              <a:t>Alarm </a:t>
-            </a:r>
-            <a:r>
-              <a:rPr lang="da-DK" sz="1800" dirty="0" err="1"/>
-              <a:t>clock</a:t>
-            </a:r>
-            <a:r>
-              <a:rPr lang="da-DK" sz="1800" dirty="0"/>
-              <a:t>: </a:t>
-            </a:r>
-            <a:r>
-              <a:rPr lang="da-DK" sz="1800" dirty="0">
-                <a:hlinkClick r:id="rId2"/>
-              </a:rPr>
-              <a:t>https://upload.wikimedia.org/wikipedia/commons/e/eb/Digital-clock-alarm.jpg</a:t>
-            </a:r>
-            <a:endParaRPr lang="da-DK" sz="1800" dirty="0"/>
-          </a:p>
-          <a:p>
-            <a:pPr marL="0" indent="0">
-              <a:buNone/>
-            </a:pPr>
-            <a:r>
-              <a:rPr lang="da-DK" sz="1800" dirty="0"/>
-              <a:t>Computer keyboard: </a:t>
-            </a:r>
-            <a:r>
-              <a:rPr lang="da-DK" sz="1800" dirty="0">
-                <a:hlinkClick r:id="rId3"/>
-              </a:rPr>
-              <a:t>http://stockmedia.cc/computing_technology/slides/DSD_8790.jpg</a:t>
-            </a:r>
-            <a:endParaRPr lang="da-DK" sz="1800" dirty="0"/>
-          </a:p>
-          <a:p>
-            <a:pPr marL="0" indent="0">
-              <a:buNone/>
-            </a:pPr>
-            <a:r>
-              <a:rPr lang="da-DK" sz="1800" dirty="0"/>
-              <a:t>Bonus: </a:t>
-            </a:r>
-            <a:r>
-              <a:rPr lang="da-DK" sz="1800" dirty="0">
-                <a:hlinkClick r:id="rId4"/>
-              </a:rPr>
-              <a:t>http://wjreviews.com/reviews-cta/bonus.png</a:t>
-            </a:r>
-            <a:endParaRPr lang="da-DK" sz="1800" dirty="0"/>
-          </a:p>
-          <a:p>
-            <a:pPr marL="0" indent="0">
-              <a:buNone/>
-            </a:pPr>
-            <a:endParaRPr lang="da-DK" dirty="0"/>
-          </a:p>
-        </p:txBody>
-      </p:sp>
-    </p:spTree>
-    <p:extLst>
-      <p:ext uri="{BB962C8B-B14F-4D97-AF65-F5344CB8AC3E}">
-        <p14:creationId xmlns:p14="http://schemas.microsoft.com/office/powerpoint/2010/main" val="3336927857"/>
-      </p:ext>
-    </p:extLst>
-  </p:cSld>
-  <p:clrMapOvr>
-    <a:masterClrMapping/>
-  </p:clrMapOvr>
-</p:sld>
-</file>
-
 <file path=ppt/slides/slide29.xml><?xml version="1.0" encoding="utf-8"?>
 <p:sld xmlns:a="http://schemas.openxmlformats.org/drawingml/2006/main" xmlns:r="http://schemas.openxmlformats.org/officeDocument/2006/relationships" xmlns:p="http://schemas.openxmlformats.org/presentationml/2006/main">
   <p:cSld>
@@ -15461,7 +16158,7 @@
       </p:grpSpPr>
       <p:sp>
         <p:nvSpPr>
-          <p:cNvPr id="4" name="Title 3"/>
+          <p:cNvPr id="3" name="Title 2"/>
           <p:cNvSpPr>
             <a:spLocks noGrp="1"/>
           </p:cNvSpPr>
@@ -15474,14 +16171,111 @@
           <a:bodyPr/>
           <a:lstStyle/>
           <a:p>
-            <a:endParaRPr lang="da-DK"/>
+            <a:r>
+              <a:rPr lang="da-DK" dirty="0"/>
+              <a:t>References and image </a:t>
+            </a:r>
+            <a:r>
+              <a:rPr lang="da-DK" dirty="0" err="1"/>
+              <a:t>sources</a:t>
+            </a:r>
+            <a:endParaRPr lang="da-DK" dirty="0"/>
+          </a:p>
+        </p:txBody>
+      </p:sp>
+      <p:sp>
+        <p:nvSpPr>
+          <p:cNvPr id="4" name="Content Placeholder 3"/>
+          <p:cNvSpPr>
+            <a:spLocks noGrp="1"/>
+          </p:cNvSpPr>
+          <p:nvPr>
+            <p:ph idx="1"/>
+          </p:nvPr>
+        </p:nvSpPr>
+        <p:spPr/>
+        <p:txBody>
+          <a:bodyPr>
+            <a:normAutofit/>
+          </a:bodyPr>
+          <a:lstStyle/>
+          <a:p>
+            <a:pPr marL="0" indent="0">
+              <a:buNone/>
+            </a:pPr>
+            <a:r>
+              <a:rPr lang="da-DK" sz="1800" dirty="0"/>
+              <a:t>Images:</a:t>
+            </a:r>
+          </a:p>
+          <a:p>
+            <a:pPr marL="0" indent="0">
+              <a:buNone/>
+            </a:pPr>
+            <a:r>
+              <a:rPr lang="da-DK" sz="1800" dirty="0"/>
+              <a:t>Alarm </a:t>
+            </a:r>
+            <a:r>
+              <a:rPr lang="da-DK" sz="1800" dirty="0" err="1"/>
+              <a:t>clock</a:t>
+            </a:r>
+            <a:r>
+              <a:rPr lang="da-DK" sz="1800" dirty="0"/>
+              <a:t>: </a:t>
+            </a:r>
+            <a:r>
+              <a:rPr lang="da-DK" sz="1800" dirty="0">
+                <a:hlinkClick r:id="rId2"/>
+              </a:rPr>
+              <a:t>https://upload.wikimedia.org/wikipedia/commons/e/eb/Digital-clock-alarm.jpg</a:t>
+            </a:r>
+            <a:endParaRPr lang="da-DK" sz="1800" dirty="0"/>
+          </a:p>
+          <a:p>
+            <a:pPr marL="0" indent="0">
+              <a:buNone/>
+            </a:pPr>
+            <a:r>
+              <a:rPr lang="da-DK" sz="1800" dirty="0"/>
+              <a:t>Computer keyboard: </a:t>
+            </a:r>
+            <a:r>
+              <a:rPr lang="da-DK" sz="1800" dirty="0">
+                <a:hlinkClick r:id="rId3"/>
+              </a:rPr>
+              <a:t>http://stockmedia.cc/computing_technology/slides/DSD_8790.jpg</a:t>
+            </a:r>
+            <a:endParaRPr lang="da-DK" sz="1800" dirty="0"/>
+          </a:p>
+          <a:p>
+            <a:pPr marL="0" indent="0">
+              <a:buNone/>
+            </a:pPr>
+            <a:r>
+              <a:rPr lang="da-DK" sz="1800" dirty="0"/>
+              <a:t>Bonus: </a:t>
+            </a:r>
+            <a:r>
+              <a:rPr lang="da-DK" sz="1800" dirty="0">
+                <a:hlinkClick r:id="rId4"/>
+              </a:rPr>
+              <a:t>http://wjreviews.com/reviews-cta/bonus.png</a:t>
+            </a:r>
+            <a:endParaRPr lang="da-DK" sz="1800" dirty="0"/>
+          </a:p>
+          <a:p>
+            <a:pPr marL="0" indent="0">
+              <a:buNone/>
+            </a:pPr>
+            <a:endParaRPr lang="da-DK" dirty="0"/>
           </a:p>
         </p:txBody>
       </p:sp>
     </p:spTree>
     <p:extLst>
       <p:ext uri="{BB962C8B-B14F-4D97-AF65-F5344CB8AC3E}">
-        <p14:creationId xmlns:p14="http://schemas.microsoft.com/office/powerpoint/2010/main" val="3808375499"/>
+        <p14:creationId xmlns:p14="http://schemas.microsoft.com/office/powerpoint/2010/main" val="3336927857"/>
       </p:ext>
     </p:extLst>
   </p:cSld>
@@ -15590,8 +16384,149 @@
 </p:sld>
 </file>
 
+<file path=ppt/slides/slide30.xml><?xml version="1.0" encoding="utf-8"?>
+<p:sld xmlns:a="http://schemas.openxmlformats.org/drawingml/2006/main" xmlns:r="http://schemas.openxmlformats.org/officeDocument/2006/relationships" xmlns:p="http://schemas.openxmlformats.org/presentationml/2006/main">
+  <p:cSld>
+    <p:spTree>
+      <p:nvGrpSpPr>
+        <p:cNvPr id="1" name=""/>
+        <p:cNvGrpSpPr/>
+        <p:nvPr/>
+      </p:nvGrpSpPr>
+      <p:grpSpPr>
+        <a:xfrm>
+          <a:off x="0" y="0"/>
+          <a:ext cx="0" cy="0"/>
+          <a:chOff x="0" y="0"/>
+          <a:chExt cx="0" cy="0"/>
+        </a:xfrm>
+      </p:grpSpPr>
+      <p:sp>
+        <p:nvSpPr>
+          <p:cNvPr id="4" name="Title 3"/>
+          <p:cNvSpPr>
+            <a:spLocks noGrp="1"/>
+          </p:cNvSpPr>
+          <p:nvPr>
+            <p:ph type="title"/>
+          </p:nvPr>
+        </p:nvSpPr>
+        <p:spPr/>
+        <p:txBody>
+          <a:bodyPr/>
+          <a:lstStyle/>
+          <a:p>
+            <a:endParaRPr lang="da-DK"/>
+          </a:p>
+        </p:txBody>
+      </p:sp>
+    </p:spTree>
+    <p:extLst>
+      <p:ext uri="{BB962C8B-B14F-4D97-AF65-F5344CB8AC3E}">
+        <p14:creationId xmlns:p14="http://schemas.microsoft.com/office/powerpoint/2010/main" val="3808375499"/>
+      </p:ext>
+    </p:extLst>
+  </p:cSld>
+  <p:clrMapOvr>
+    <a:masterClrMapping/>
+  </p:clrMapOvr>
+</p:sld>
+</file>
+
 <file path=ppt/slides/slide4.xml><?xml version="1.0" encoding="utf-8"?>
 <p:sld xmlns:a="http://schemas.openxmlformats.org/drawingml/2006/main" xmlns:r="http://schemas.openxmlformats.org/officeDocument/2006/relationships" xmlns:p="http://schemas.openxmlformats.org/presentationml/2006/main">
+  <p:cSld>
+    <p:spTree>
+      <p:nvGrpSpPr>
+        <p:cNvPr id="1" name=""/>
+        <p:cNvGrpSpPr/>
+        <p:nvPr/>
+      </p:nvGrpSpPr>
+      <p:grpSpPr>
+        <a:xfrm>
+          <a:off x="0" y="0"/>
+          <a:ext cx="0" cy="0"/>
+          <a:chOff x="0" y="0"/>
+          <a:chExt cx="0" cy="0"/>
+        </a:xfrm>
+      </p:grpSpPr>
+      <p:sp>
+        <p:nvSpPr>
+          <p:cNvPr id="2" name="Title 1">
+            <a:extLst>
+              <a:ext uri="{FF2B5EF4-FFF2-40B4-BE49-F238E27FC236}">
+                <a16:creationId xmlns:a16="http://schemas.microsoft.com/office/drawing/2014/main" id="{045033CE-FC19-9649-DEE9-20C1235D3CF4}"/>
+              </a:ext>
+            </a:extLst>
+          </p:cNvPr>
+          <p:cNvSpPr>
+            <a:spLocks noGrp="1"/>
+          </p:cNvSpPr>
+          <p:nvPr>
+            <p:ph type="title"/>
+          </p:nvPr>
+        </p:nvSpPr>
+        <p:spPr/>
+        <p:txBody>
+          <a:bodyPr/>
+          <a:lstStyle/>
+          <a:p>
+            <a:r>
+              <a:rPr lang="da-DK" dirty="0"/>
+              <a:t>Application </a:t>
+            </a:r>
+            <a:r>
+              <a:rPr lang="da-DK" dirty="0" err="1"/>
+              <a:t>configuration</a:t>
+            </a:r>
+            <a:endParaRPr lang="da-DK" dirty="0"/>
+          </a:p>
+        </p:txBody>
+      </p:sp>
+      <p:pic>
+        <p:nvPicPr>
+          <p:cNvPr id="5" name="Content Placeholder 4">
+            <a:extLst>
+              <a:ext uri="{FF2B5EF4-FFF2-40B4-BE49-F238E27FC236}">
+                <a16:creationId xmlns:a16="http://schemas.microsoft.com/office/drawing/2014/main" id="{8C4360C7-C1AA-9AF7-6AF7-3D0DDF708FF5}"/>
+              </a:ext>
+            </a:extLst>
+          </p:cNvPr>
+          <p:cNvPicPr>
+            <a:picLocks noGrp="1" noChangeAspect="1"/>
+          </p:cNvPicPr>
+          <p:nvPr>
+            <p:ph idx="1"/>
+          </p:nvPr>
+        </p:nvPicPr>
+        <p:blipFill>
+          <a:blip r:embed="rId2"/>
+          <a:stretch>
+            <a:fillRect/>
+          </a:stretch>
+        </p:blipFill>
+        <p:spPr>
+          <a:xfrm>
+            <a:off x="1487828" y="1311275"/>
+            <a:ext cx="9216344" cy="4865688"/>
+          </a:xfrm>
+        </p:spPr>
+      </p:pic>
+    </p:spTree>
+    <p:extLst>
+      <p:ext uri="{BB962C8B-B14F-4D97-AF65-F5344CB8AC3E}">
+        <p14:creationId xmlns:p14="http://schemas.microsoft.com/office/powerpoint/2010/main" val="51108510"/>
+      </p:ext>
+    </p:extLst>
+  </p:cSld>
+  <p:clrMapOvr>
+    <a:masterClrMapping/>
+  </p:clrMapOvr>
+</p:sld>
+</file>
+
+<file path=ppt/slides/slide5.xml><?xml version="1.0" encoding="utf-8"?>
+<p:sld xmlns:a="http://schemas.openxmlformats.org/drawingml/2006/main" xmlns:r="http://schemas.openxmlformats.org/officeDocument/2006/relationships" xmlns:p="http://schemas.openxmlformats.org/presentationml/2006/main" show="0">
   <p:cSld>
     <p:spTree>
       <p:nvGrpSpPr>
@@ -17222,7 +18157,7 @@
 </p:sld>
 </file>
 
-<file path=ppt/slides/slide5.xml><?xml version="1.0" encoding="utf-8"?>
+<file path=ppt/slides/slide6.xml><?xml version="1.0" encoding="utf-8"?>
 <p:sld xmlns:a="http://schemas.openxmlformats.org/drawingml/2006/main" xmlns:r="http://schemas.openxmlformats.org/officeDocument/2006/relationships" xmlns:p="http://schemas.openxmlformats.org/presentationml/2006/main">
   <p:cSld>
     <p:spTree>
@@ -17311,7 +18246,7 @@
 </p:sld>
 </file>
 
-<file path=ppt/slides/slide6.xml><?xml version="1.0" encoding="utf-8"?>
+<file path=ppt/slides/slide7.xml><?xml version="1.0" encoding="utf-8"?>
 <p:sld xmlns:a="http://schemas.openxmlformats.org/drawingml/2006/main" xmlns:r="http://schemas.openxmlformats.org/officeDocument/2006/relationships" xmlns:p="http://schemas.openxmlformats.org/presentationml/2006/main">
   <p:cSld>
     <p:spTree>
@@ -17731,7 +18666,7 @@
 </p:sld>
 </file>
 
-<file path=ppt/slides/slide7.xml><?xml version="1.0" encoding="utf-8"?>
+<file path=ppt/slides/slide8.xml><?xml version="1.0" encoding="utf-8"?>
 <p:sld xmlns:a="http://schemas.openxmlformats.org/drawingml/2006/main" xmlns:r="http://schemas.openxmlformats.org/officeDocument/2006/relationships" xmlns:p="http://schemas.openxmlformats.org/presentationml/2006/main">
   <p:cSld>
     <p:spTree>
@@ -18916,78 +19851,6 @@
 </p:sld>
 </file>
 
-<file path=ppt/slides/slide8.xml><?xml version="1.0" encoding="utf-8"?>
-<p:sld xmlns:a="http://schemas.openxmlformats.org/drawingml/2006/main" xmlns:r="http://schemas.openxmlformats.org/officeDocument/2006/relationships" xmlns:p="http://schemas.openxmlformats.org/presentationml/2006/main">
-  <p:cSld>
-    <p:spTree>
-      <p:nvGrpSpPr>
-        <p:cNvPr id="1" name=""/>
-        <p:cNvGrpSpPr/>
-        <p:nvPr/>
-      </p:nvGrpSpPr>
-      <p:grpSpPr>
-        <a:xfrm>
-          <a:off x="0" y="0"/>
-          <a:ext cx="0" cy="0"/>
-          <a:chOff x="0" y="0"/>
-          <a:chExt cx="0" cy="0"/>
-        </a:xfrm>
-      </p:grpSpPr>
-      <p:sp>
-        <p:nvSpPr>
-          <p:cNvPr id="4" name="Title 3"/>
-          <p:cNvSpPr>
-            <a:spLocks noGrp="1"/>
-          </p:cNvSpPr>
-          <p:nvPr>
-            <p:ph type="title"/>
-          </p:nvPr>
-        </p:nvSpPr>
-        <p:spPr/>
-        <p:txBody>
-          <a:bodyPr/>
-          <a:lstStyle/>
-          <a:p>
-            <a:r>
-              <a:rPr lang="da-DK" dirty="0" err="1"/>
-              <a:t>JsonSerializer</a:t>
-            </a:r>
-            <a:endParaRPr lang="da-DK" dirty="0"/>
-          </a:p>
-        </p:txBody>
-      </p:sp>
-      <p:sp>
-        <p:nvSpPr>
-          <p:cNvPr id="5" name="Text Placeholder 4"/>
-          <p:cNvSpPr>
-            <a:spLocks noGrp="1"/>
-          </p:cNvSpPr>
-          <p:nvPr>
-            <p:ph type="body" idx="1"/>
-          </p:nvPr>
-        </p:nvSpPr>
-        <p:spPr/>
-        <p:txBody>
-          <a:bodyPr/>
-          <a:lstStyle/>
-          <a:p>
-            <a:endParaRPr lang="da-DK"/>
-          </a:p>
-        </p:txBody>
-      </p:sp>
-    </p:spTree>
-    <p:extLst>
-      <p:ext uri="{BB962C8B-B14F-4D97-AF65-F5344CB8AC3E}">
-        <p14:creationId xmlns:p14="http://schemas.microsoft.com/office/powerpoint/2010/main" val="1836375504"/>
-      </p:ext>
-    </p:extLst>
-  </p:cSld>
-  <p:clrMapOvr>
-    <a:masterClrMapping/>
-  </p:clrMapOvr>
-</p:sld>
-</file>
-
 <file path=ppt/slides/slide9.xml><?xml version="1.0" encoding="utf-8"?>
 <p:sld xmlns:a="http://schemas.openxmlformats.org/drawingml/2006/main" xmlns:r="http://schemas.openxmlformats.org/officeDocument/2006/relationships" xmlns:p="http://schemas.openxmlformats.org/presentationml/2006/main">
   <p:cSld>
@@ -19007,7 +19870,7 @@
       </p:grpSpPr>
       <p:sp>
         <p:nvSpPr>
-          <p:cNvPr id="2" name="Title 1"/>
+          <p:cNvPr id="4" name="Title 3"/>
           <p:cNvSpPr>
             <a:spLocks noGrp="1"/>
           </p:cNvSpPr>
@@ -19024,782 +19887,33 @@
               <a:rPr lang="da-DK" dirty="0" err="1"/>
               <a:t>JsonSerializer</a:t>
             </a:r>
-            <a:r>
-              <a:rPr lang="da-DK" dirty="0"/>
-              <a:t> – Configuration </a:t>
-            </a:r>
-            <a:r>
-              <a:rPr lang="da-DK" dirty="0" err="1"/>
-              <a:t>object</a:t>
-            </a:r>
             <a:endParaRPr lang="da-DK" dirty="0"/>
           </a:p>
         </p:txBody>
       </p:sp>
       <p:sp>
         <p:nvSpPr>
-          <p:cNvPr id="4" name="Rectangle 3"/>
-          <p:cNvSpPr/>
-          <p:nvPr/>
-        </p:nvSpPr>
-        <p:spPr>
-          <a:xfrm>
-            <a:off x="503364" y="1311965"/>
-            <a:ext cx="6996662" cy="5400120"/>
-          </a:xfrm>
-          <a:prstGeom prst="rect">
-            <a:avLst/>
-          </a:prstGeom>
-          <a:solidFill>
-            <a:schemeClr val="bg2"/>
-          </a:solidFill>
-        </p:spPr>
-        <p:style>
-          <a:lnRef idx="2">
-            <a:schemeClr val="accent1">
-              <a:shade val="50000"/>
-            </a:schemeClr>
-          </a:lnRef>
-          <a:fillRef idx="1">
-            <a:schemeClr val="accent1"/>
-          </a:fillRef>
-          <a:effectRef idx="0">
-            <a:schemeClr val="accent1"/>
-          </a:effectRef>
-          <a:fontRef idx="minor">
-            <a:schemeClr val="lt1"/>
-          </a:fontRef>
-        </p:style>
-        <p:txBody>
-          <a:bodyPr rtlCol="0" anchor="ctr"/>
+          <p:cNvPr id="5" name="Text Placeholder 4"/>
+          <p:cNvSpPr>
+            <a:spLocks noGrp="1"/>
+          </p:cNvSpPr>
+          <p:nvPr>
+            <p:ph type="body" idx="1"/>
+          </p:nvPr>
+        </p:nvSpPr>
+        <p:spPr/>
+        <p:txBody>
+          <a:bodyPr/>
           <a:lstStyle/>
           <a:p>
-            <a:r>
-              <a:rPr lang="en-GB" dirty="0">
-                <a:solidFill>
-                  <a:schemeClr val="tx1"/>
-                </a:solidFill>
-                <a:latin typeface="Consolas" panose="020B0609020204030204" pitchFamily="49" charset="0"/>
-                <a:cs typeface="Consolas" panose="020B0609020204030204" pitchFamily="49" charset="0"/>
-              </a:rPr>
-              <a:t>public class </a:t>
-            </a:r>
-            <a:r>
-              <a:rPr lang="en-GB" dirty="0" err="1">
-                <a:solidFill>
-                  <a:schemeClr val="tx1"/>
-                </a:solidFill>
-                <a:latin typeface="Consolas" panose="020B0609020204030204" pitchFamily="49" charset="0"/>
-                <a:cs typeface="Consolas" panose="020B0609020204030204" pitchFamily="49" charset="0"/>
-              </a:rPr>
-              <a:t>AlarmSettings</a:t>
-            </a:r>
-            <a:br>
-              <a:rPr lang="en-GB" dirty="0">
-                <a:solidFill>
-                  <a:schemeClr val="tx1"/>
-                </a:solidFill>
-                <a:latin typeface="Consolas" panose="020B0609020204030204" pitchFamily="49" charset="0"/>
-                <a:cs typeface="Consolas" panose="020B0609020204030204" pitchFamily="49" charset="0"/>
-              </a:rPr>
-            </a:br>
-            <a:r>
-              <a:rPr lang="en-GB" dirty="0">
-                <a:solidFill>
-                  <a:schemeClr val="tx1"/>
-                </a:solidFill>
-                <a:latin typeface="Consolas" panose="020B0609020204030204" pitchFamily="49" charset="0"/>
-                <a:cs typeface="Consolas" panose="020B0609020204030204" pitchFamily="49" charset="0"/>
-              </a:rPr>
-              <a:t>{</a:t>
-            </a:r>
-            <a:br>
-              <a:rPr lang="en-GB" dirty="0">
-                <a:solidFill>
-                  <a:schemeClr val="tx1"/>
-                </a:solidFill>
-                <a:latin typeface="Consolas" panose="020B0609020204030204" pitchFamily="49" charset="0"/>
-                <a:cs typeface="Consolas" panose="020B0609020204030204" pitchFamily="49" charset="0"/>
-              </a:rPr>
-            </a:br>
-            <a:r>
-              <a:rPr lang="en-GB" dirty="0">
-                <a:solidFill>
-                  <a:schemeClr val="tx1"/>
-                </a:solidFill>
-                <a:latin typeface="Consolas" panose="020B0609020204030204" pitchFamily="49" charset="0"/>
-                <a:cs typeface="Consolas" panose="020B0609020204030204" pitchFamily="49" charset="0"/>
-              </a:rPr>
-              <a:t>    public </a:t>
-            </a:r>
-            <a:r>
-              <a:rPr lang="en-GB" dirty="0" err="1">
-                <a:solidFill>
-                  <a:schemeClr val="tx1"/>
-                </a:solidFill>
-                <a:latin typeface="Consolas" panose="020B0609020204030204" pitchFamily="49" charset="0"/>
-                <a:cs typeface="Consolas" panose="020B0609020204030204" pitchFamily="49" charset="0"/>
-              </a:rPr>
-              <a:t>enum</a:t>
-            </a:r>
-            <a:r>
-              <a:rPr lang="en-GB" dirty="0">
-                <a:solidFill>
-                  <a:schemeClr val="tx1"/>
-                </a:solidFill>
-                <a:latin typeface="Consolas" panose="020B0609020204030204" pitchFamily="49" charset="0"/>
-                <a:cs typeface="Consolas" panose="020B0609020204030204" pitchFamily="49" charset="0"/>
-              </a:rPr>
-              <a:t> </a:t>
-            </a:r>
-            <a:r>
-              <a:rPr lang="en-GB" dirty="0" err="1">
-                <a:solidFill>
-                  <a:schemeClr val="tx1"/>
-                </a:solidFill>
-                <a:latin typeface="Consolas" panose="020B0609020204030204" pitchFamily="49" charset="0"/>
-                <a:cs typeface="Consolas" panose="020B0609020204030204" pitchFamily="49" charset="0"/>
-              </a:rPr>
-              <a:t>TimeFormatEnum</a:t>
-            </a:r>
-            <a:br>
-              <a:rPr lang="en-GB" dirty="0">
-                <a:solidFill>
-                  <a:schemeClr val="tx1"/>
-                </a:solidFill>
-                <a:latin typeface="Consolas" panose="020B0609020204030204" pitchFamily="49" charset="0"/>
-                <a:cs typeface="Consolas" panose="020B0609020204030204" pitchFamily="49" charset="0"/>
-              </a:rPr>
-            </a:br>
-            <a:r>
-              <a:rPr lang="en-GB" dirty="0">
-                <a:solidFill>
-                  <a:schemeClr val="tx1"/>
-                </a:solidFill>
-                <a:latin typeface="Consolas" panose="020B0609020204030204" pitchFamily="49" charset="0"/>
-                <a:cs typeface="Consolas" panose="020B0609020204030204" pitchFamily="49" charset="0"/>
-              </a:rPr>
-              <a:t>    {</a:t>
-            </a:r>
-            <a:br>
-              <a:rPr lang="en-GB" dirty="0">
-                <a:solidFill>
-                  <a:schemeClr val="tx1"/>
-                </a:solidFill>
-                <a:latin typeface="Consolas" panose="020B0609020204030204" pitchFamily="49" charset="0"/>
-                <a:cs typeface="Consolas" panose="020B0609020204030204" pitchFamily="49" charset="0"/>
-              </a:rPr>
-            </a:br>
-            <a:r>
-              <a:rPr lang="en-GB" dirty="0">
-                <a:solidFill>
-                  <a:schemeClr val="tx1"/>
-                </a:solidFill>
-                <a:latin typeface="Consolas" panose="020B0609020204030204" pitchFamily="49" charset="0"/>
-                <a:cs typeface="Consolas" panose="020B0609020204030204" pitchFamily="49" charset="0"/>
-              </a:rPr>
-              <a:t>        </a:t>
-            </a:r>
-            <a:r>
-              <a:rPr lang="en-GB" b="1" dirty="0">
-                <a:solidFill>
-                  <a:schemeClr val="tx1"/>
-                </a:solidFill>
-                <a:latin typeface="Consolas" panose="020B0609020204030204" pitchFamily="49" charset="0"/>
-                <a:cs typeface="Consolas" panose="020B0609020204030204" pitchFamily="49" charset="0"/>
-              </a:rPr>
-              <a:t>H12</a:t>
-            </a:r>
-            <a:r>
-              <a:rPr lang="en-GB" dirty="0">
-                <a:solidFill>
-                  <a:schemeClr val="tx1"/>
-                </a:solidFill>
-                <a:latin typeface="Consolas" panose="020B0609020204030204" pitchFamily="49" charset="0"/>
-                <a:cs typeface="Consolas" panose="020B0609020204030204" pitchFamily="49" charset="0"/>
-              </a:rPr>
-              <a:t>,</a:t>
-            </a:r>
-            <a:br>
-              <a:rPr lang="en-GB" dirty="0">
-                <a:solidFill>
-                  <a:schemeClr val="tx1"/>
-                </a:solidFill>
-                <a:latin typeface="Consolas" panose="020B0609020204030204" pitchFamily="49" charset="0"/>
-                <a:cs typeface="Consolas" panose="020B0609020204030204" pitchFamily="49" charset="0"/>
-              </a:rPr>
-            </a:br>
-            <a:r>
-              <a:rPr lang="en-GB" dirty="0">
-                <a:solidFill>
-                  <a:schemeClr val="tx1"/>
-                </a:solidFill>
-                <a:latin typeface="Consolas" panose="020B0609020204030204" pitchFamily="49" charset="0"/>
-                <a:cs typeface="Consolas" panose="020B0609020204030204" pitchFamily="49" charset="0"/>
-              </a:rPr>
-              <a:t>        H24</a:t>
-            </a:r>
-            <a:br>
-              <a:rPr lang="en-GB" dirty="0">
-                <a:solidFill>
-                  <a:schemeClr val="tx1"/>
-                </a:solidFill>
-                <a:latin typeface="Consolas" panose="020B0609020204030204" pitchFamily="49" charset="0"/>
-                <a:cs typeface="Consolas" panose="020B0609020204030204" pitchFamily="49" charset="0"/>
-              </a:rPr>
-            </a:br>
-            <a:r>
-              <a:rPr lang="en-GB" dirty="0">
-                <a:solidFill>
-                  <a:schemeClr val="tx1"/>
-                </a:solidFill>
-                <a:latin typeface="Consolas" panose="020B0609020204030204" pitchFamily="49" charset="0"/>
-                <a:cs typeface="Consolas" panose="020B0609020204030204" pitchFamily="49" charset="0"/>
-              </a:rPr>
-              <a:t>    }</a:t>
-            </a:r>
-          </a:p>
-          <a:p>
-            <a:br>
-              <a:rPr lang="en-GB" dirty="0">
-                <a:solidFill>
-                  <a:schemeClr val="tx1"/>
-                </a:solidFill>
-                <a:latin typeface="Consolas" panose="020B0609020204030204" pitchFamily="49" charset="0"/>
-                <a:cs typeface="Consolas" panose="020B0609020204030204" pitchFamily="49" charset="0"/>
-              </a:rPr>
-            </a:br>
-            <a:r>
-              <a:rPr lang="en-GB" dirty="0">
-                <a:solidFill>
-                  <a:schemeClr val="tx1"/>
-                </a:solidFill>
-                <a:latin typeface="Consolas" panose="020B0609020204030204" pitchFamily="49" charset="0"/>
-                <a:cs typeface="Consolas" panose="020B0609020204030204" pitchFamily="49" charset="0"/>
-              </a:rPr>
-              <a:t>    public </a:t>
-            </a:r>
-            <a:r>
-              <a:rPr lang="en-GB" dirty="0" err="1">
-                <a:solidFill>
-                  <a:schemeClr val="tx1"/>
-                </a:solidFill>
-                <a:latin typeface="Consolas" panose="020B0609020204030204" pitchFamily="49" charset="0"/>
-                <a:cs typeface="Consolas" panose="020B0609020204030204" pitchFamily="49" charset="0"/>
-              </a:rPr>
-              <a:t>TimeFormatEnum</a:t>
-            </a:r>
-            <a:r>
-              <a:rPr lang="en-GB" dirty="0">
-                <a:solidFill>
-                  <a:schemeClr val="tx1"/>
-                </a:solidFill>
-                <a:latin typeface="Consolas" panose="020B0609020204030204" pitchFamily="49" charset="0"/>
-                <a:cs typeface="Consolas" panose="020B0609020204030204" pitchFamily="49" charset="0"/>
-              </a:rPr>
-              <a:t> </a:t>
-            </a:r>
-            <a:r>
-              <a:rPr lang="en-GB" dirty="0" err="1">
-                <a:solidFill>
-                  <a:schemeClr val="tx1"/>
-                </a:solidFill>
-                <a:latin typeface="Consolas" panose="020B0609020204030204" pitchFamily="49" charset="0"/>
-                <a:cs typeface="Consolas" panose="020B0609020204030204" pitchFamily="49" charset="0"/>
-              </a:rPr>
-              <a:t>TimeFormat</a:t>
-            </a:r>
-            <a:r>
-              <a:rPr lang="en-GB" dirty="0">
-                <a:solidFill>
-                  <a:schemeClr val="tx1"/>
-                </a:solidFill>
-                <a:latin typeface="Consolas" panose="020B0609020204030204" pitchFamily="49" charset="0"/>
-                <a:cs typeface="Consolas" panose="020B0609020204030204" pitchFamily="49" charset="0"/>
-              </a:rPr>
-              <a:t> { get; set; }</a:t>
-            </a:r>
-            <a:br>
-              <a:rPr lang="en-GB" dirty="0">
-                <a:solidFill>
-                  <a:schemeClr val="tx1"/>
-                </a:solidFill>
-                <a:latin typeface="Consolas" panose="020B0609020204030204" pitchFamily="49" charset="0"/>
-                <a:cs typeface="Consolas" panose="020B0609020204030204" pitchFamily="49" charset="0"/>
-              </a:rPr>
-            </a:br>
-            <a:r>
-              <a:rPr lang="en-GB" dirty="0">
-                <a:solidFill>
-                  <a:schemeClr val="tx1"/>
-                </a:solidFill>
-                <a:latin typeface="Consolas" panose="020B0609020204030204" pitchFamily="49" charset="0"/>
-                <a:cs typeface="Consolas" panose="020B0609020204030204" pitchFamily="49" charset="0"/>
-              </a:rPr>
-              <a:t>    public bool </a:t>
-            </a:r>
-            <a:r>
-              <a:rPr lang="en-GB" dirty="0" err="1">
-                <a:solidFill>
-                  <a:schemeClr val="tx1"/>
-                </a:solidFill>
-                <a:latin typeface="Consolas" panose="020B0609020204030204" pitchFamily="49" charset="0"/>
-                <a:cs typeface="Consolas" panose="020B0609020204030204" pitchFamily="49" charset="0"/>
-              </a:rPr>
-              <a:t>AlarmIsOn</a:t>
-            </a:r>
-            <a:r>
-              <a:rPr lang="en-GB" dirty="0">
-                <a:solidFill>
-                  <a:schemeClr val="tx1"/>
-                </a:solidFill>
-                <a:latin typeface="Consolas" panose="020B0609020204030204" pitchFamily="49" charset="0"/>
-                <a:cs typeface="Consolas" panose="020B0609020204030204" pitchFamily="49" charset="0"/>
-              </a:rPr>
-              <a:t> { get; set; }</a:t>
-            </a:r>
-            <a:br>
-              <a:rPr lang="en-GB" dirty="0">
-                <a:solidFill>
-                  <a:schemeClr val="tx1"/>
-                </a:solidFill>
-                <a:latin typeface="Consolas" panose="020B0609020204030204" pitchFamily="49" charset="0"/>
-                <a:cs typeface="Consolas" panose="020B0609020204030204" pitchFamily="49" charset="0"/>
-              </a:rPr>
-            </a:br>
-            <a:r>
-              <a:rPr lang="en-GB" dirty="0">
-                <a:solidFill>
-                  <a:schemeClr val="tx1"/>
-                </a:solidFill>
-                <a:latin typeface="Consolas" panose="020B0609020204030204" pitchFamily="49" charset="0"/>
-                <a:cs typeface="Consolas" panose="020B0609020204030204" pitchFamily="49" charset="0"/>
-              </a:rPr>
-              <a:t>    public string Locale { get; set; }</a:t>
-            </a:r>
-            <a:br>
-              <a:rPr lang="en-GB" dirty="0">
-                <a:solidFill>
-                  <a:schemeClr val="tx1"/>
-                </a:solidFill>
-                <a:latin typeface="Consolas" panose="020B0609020204030204" pitchFamily="49" charset="0"/>
-                <a:cs typeface="Consolas" panose="020B0609020204030204" pitchFamily="49" charset="0"/>
-              </a:rPr>
-            </a:br>
-            <a:r>
-              <a:rPr lang="en-GB" dirty="0">
-                <a:solidFill>
-                  <a:schemeClr val="tx1"/>
-                </a:solidFill>
-                <a:latin typeface="Consolas" panose="020B0609020204030204" pitchFamily="49" charset="0"/>
-                <a:cs typeface="Consolas" panose="020B0609020204030204" pitchFamily="49" charset="0"/>
-              </a:rPr>
-              <a:t>}</a:t>
-            </a:r>
-            <a:endParaRPr lang="en-US" sz="1600" dirty="0">
-              <a:solidFill>
-                <a:schemeClr val="tx1"/>
-              </a:solidFill>
-              <a:latin typeface="Consolas" panose="020B0609020204030204" pitchFamily="49" charset="0"/>
-              <a:cs typeface="Consolas" panose="020B0609020204030204" pitchFamily="49" charset="0"/>
-            </a:endParaRPr>
-          </a:p>
-        </p:txBody>
-      </p:sp>
-      <p:sp>
-        <p:nvSpPr>
-          <p:cNvPr id="6" name="Rectangle 5"/>
-          <p:cNvSpPr/>
-          <p:nvPr/>
-        </p:nvSpPr>
-        <p:spPr>
-          <a:xfrm>
-            <a:off x="7670800" y="4140199"/>
-            <a:ext cx="4017836" cy="2571885"/>
-          </a:xfrm>
-          <a:prstGeom prst="rect">
-            <a:avLst/>
-          </a:prstGeom>
-          <a:solidFill>
-            <a:schemeClr val="accent5">
-              <a:lumMod val="20000"/>
-              <a:lumOff val="80000"/>
-            </a:schemeClr>
-          </a:solidFill>
-        </p:spPr>
-        <p:style>
-          <a:lnRef idx="2">
-            <a:schemeClr val="accent1">
-              <a:shade val="50000"/>
-            </a:schemeClr>
-          </a:lnRef>
-          <a:fillRef idx="1">
-            <a:schemeClr val="accent1"/>
-          </a:fillRef>
-          <a:effectRef idx="0">
-            <a:schemeClr val="accent1"/>
-          </a:effectRef>
-          <a:fontRef idx="minor">
-            <a:schemeClr val="lt1"/>
-          </a:fontRef>
-        </p:style>
-        <p:txBody>
-          <a:bodyPr rtlCol="0" anchor="ctr"/>
-          <a:lstStyle/>
-          <a:p>
-            <a:r>
-              <a:rPr lang="en-GB" sz="1400" dirty="0">
-                <a:solidFill>
-                  <a:schemeClr val="tx1"/>
-                </a:solidFill>
-              </a:rPr>
-              <a:t>{</a:t>
-            </a:r>
-          </a:p>
-          <a:p>
-            <a:r>
-              <a:rPr lang="en-GB" sz="1400" dirty="0">
-                <a:solidFill>
-                  <a:schemeClr val="tx1"/>
-                </a:solidFill>
-              </a:rPr>
-              <a:t>  "TimeFormat":0,</a:t>
-            </a:r>
-          </a:p>
-          <a:p>
-            <a:r>
-              <a:rPr lang="en-GB" sz="1400" dirty="0">
-                <a:solidFill>
-                  <a:schemeClr val="tx1"/>
-                </a:solidFill>
-              </a:rPr>
-              <a:t>  "</a:t>
-            </a:r>
-            <a:r>
-              <a:rPr lang="en-GB" sz="1400" dirty="0" err="1">
-                <a:solidFill>
-                  <a:schemeClr val="tx1"/>
-                </a:solidFill>
-              </a:rPr>
-              <a:t>AlarmIsOn</a:t>
-            </a:r>
-            <a:r>
-              <a:rPr lang="en-GB" sz="1400" dirty="0">
-                <a:solidFill>
-                  <a:schemeClr val="tx1"/>
-                </a:solidFill>
-              </a:rPr>
-              <a:t>":false,</a:t>
-            </a:r>
-          </a:p>
-          <a:p>
-            <a:r>
-              <a:rPr lang="en-GB" sz="1400" dirty="0">
-                <a:solidFill>
-                  <a:schemeClr val="tx1"/>
-                </a:solidFill>
-              </a:rPr>
-              <a:t>  "</a:t>
-            </a:r>
-            <a:r>
-              <a:rPr lang="en-GB" sz="1400" dirty="0" err="1">
-                <a:solidFill>
-                  <a:schemeClr val="tx1"/>
-                </a:solidFill>
-              </a:rPr>
-              <a:t>Locale":"DK</a:t>
-            </a:r>
-            <a:r>
-              <a:rPr lang="en-GB" sz="1400" dirty="0">
-                <a:solidFill>
-                  <a:schemeClr val="tx1"/>
-                </a:solidFill>
-              </a:rPr>
-              <a:t>”</a:t>
-            </a:r>
-          </a:p>
-          <a:p>
-            <a:r>
-              <a:rPr lang="en-GB" sz="1400" dirty="0">
-                <a:solidFill>
-                  <a:schemeClr val="tx1"/>
-                </a:solidFill>
-              </a:rPr>
-              <a:t>}</a:t>
-            </a:r>
-            <a:endParaRPr lang="en-US" sz="1100" dirty="0">
-              <a:solidFill>
-                <a:schemeClr val="tx1"/>
-              </a:solidFill>
-              <a:latin typeface="Consolas" panose="020B0609020204030204" pitchFamily="49" charset="0"/>
-            </a:endParaRPr>
-          </a:p>
-        </p:txBody>
-      </p:sp>
-      <p:sp>
-        <p:nvSpPr>
-          <p:cNvPr id="3" name="TextBox 2"/>
-          <p:cNvSpPr txBox="1"/>
-          <p:nvPr/>
-        </p:nvSpPr>
-        <p:spPr>
-          <a:xfrm>
-            <a:off x="7670800" y="1311965"/>
-            <a:ext cx="4017836" cy="2684302"/>
-          </a:xfrm>
-          <a:prstGeom prst="rect">
-            <a:avLst/>
-          </a:prstGeom>
-        </p:spPr>
-        <p:txBody>
-          <a:bodyPr vert="horz" wrap="square" lIns="91440" tIns="45720" rIns="91440" bIns="45720" rtlCol="0" anchor="t">
-            <a:normAutofit fontScale="77500" lnSpcReduction="20000"/>
-          </a:bodyPr>
-          <a:lstStyle/>
-          <a:p>
-            <a:r>
-              <a:rPr lang="da-DK" sz="2800" dirty="0">
-                <a:latin typeface="Gill Sans MT" panose="020B0502020104020203" pitchFamily="34" charset="0"/>
-              </a:rPr>
-              <a:t>The </a:t>
-            </a:r>
-            <a:r>
-              <a:rPr lang="da-DK" sz="2800" dirty="0" err="1">
-                <a:latin typeface="Gill Sans MT" panose="020B0502020104020203" pitchFamily="34" charset="0"/>
-              </a:rPr>
-              <a:t>XMLSerializer</a:t>
-            </a:r>
-            <a:r>
-              <a:rPr lang="da-DK" sz="2800" dirty="0">
-                <a:latin typeface="Gill Sans MT" panose="020B0502020104020203" pitchFamily="34" charset="0"/>
-              </a:rPr>
-              <a:t> </a:t>
-            </a:r>
-            <a:r>
-              <a:rPr lang="da-DK" sz="2800" dirty="0" err="1">
-                <a:latin typeface="Gill Sans MT" panose="020B0502020104020203" pitchFamily="34" charset="0"/>
-              </a:rPr>
-              <a:t>can</a:t>
-            </a:r>
-            <a:r>
-              <a:rPr lang="da-DK" sz="2800" dirty="0">
-                <a:latin typeface="Gill Sans MT" panose="020B0502020104020203" pitchFamily="34" charset="0"/>
-              </a:rPr>
-              <a:t> </a:t>
-            </a:r>
-            <a:r>
-              <a:rPr lang="da-DK" sz="2800" dirty="0" err="1">
-                <a:latin typeface="Gill Sans MT" panose="020B0502020104020203" pitchFamily="34" charset="0"/>
-              </a:rPr>
-              <a:t>be</a:t>
-            </a:r>
-            <a:r>
-              <a:rPr lang="da-DK" sz="2800" dirty="0">
-                <a:latin typeface="Gill Sans MT" panose="020B0502020104020203" pitchFamily="34" charset="0"/>
-              </a:rPr>
-              <a:t> </a:t>
-            </a:r>
-            <a:r>
-              <a:rPr lang="da-DK" sz="2800" dirty="0" err="1">
-                <a:latin typeface="Gill Sans MT" panose="020B0502020104020203" pitchFamily="34" charset="0"/>
-              </a:rPr>
-              <a:t>used</a:t>
-            </a:r>
-            <a:r>
-              <a:rPr lang="da-DK" sz="2800" dirty="0">
-                <a:latin typeface="Gill Sans MT" panose="020B0502020104020203" pitchFamily="34" charset="0"/>
-              </a:rPr>
-              <a:t> to save/load an </a:t>
-            </a:r>
-            <a:r>
-              <a:rPr lang="da-DK" sz="2800" dirty="0" err="1">
-                <a:latin typeface="Gill Sans MT" panose="020B0502020104020203" pitchFamily="34" charset="0"/>
-              </a:rPr>
-              <a:t>object</a:t>
-            </a:r>
-            <a:r>
-              <a:rPr lang="da-DK" sz="2800" dirty="0">
-                <a:latin typeface="Gill Sans MT" panose="020B0502020104020203" pitchFamily="34" charset="0"/>
-              </a:rPr>
-              <a:t> </a:t>
-            </a:r>
-            <a:r>
-              <a:rPr lang="da-DK" sz="2800" dirty="0" err="1">
-                <a:latin typeface="Gill Sans MT" panose="020B0502020104020203" pitchFamily="34" charset="0"/>
-              </a:rPr>
-              <a:t>graph</a:t>
-            </a:r>
-            <a:r>
-              <a:rPr lang="da-DK" sz="2800" dirty="0">
-                <a:latin typeface="Gill Sans MT" panose="020B0502020104020203" pitchFamily="34" charset="0"/>
-              </a:rPr>
-              <a:t>.</a:t>
-            </a:r>
-          </a:p>
-          <a:p>
-            <a:endParaRPr lang="da-DK" sz="2800" dirty="0">
-              <a:latin typeface="Gill Sans MT" panose="020B0502020104020203" pitchFamily="34" charset="0"/>
-            </a:endParaRPr>
-          </a:p>
-          <a:p>
-            <a:r>
-              <a:rPr lang="da-DK" sz="2800" dirty="0" err="1">
-                <a:latin typeface="Gill Sans MT" panose="020B0502020104020203" pitchFamily="34" charset="0"/>
-              </a:rPr>
-              <a:t>Create</a:t>
-            </a:r>
-            <a:r>
-              <a:rPr lang="da-DK" sz="2800" dirty="0">
-                <a:latin typeface="Gill Sans MT" panose="020B0502020104020203" pitchFamily="34" charset="0"/>
-              </a:rPr>
-              <a:t> an </a:t>
-            </a:r>
-            <a:r>
-              <a:rPr lang="da-DK" sz="2800" dirty="0" err="1">
-                <a:latin typeface="Gill Sans MT" panose="020B0502020104020203" pitchFamily="34" charset="0"/>
-              </a:rPr>
-              <a:t>object</a:t>
-            </a:r>
-            <a:r>
-              <a:rPr lang="da-DK" sz="2800" dirty="0">
-                <a:latin typeface="Gill Sans MT" panose="020B0502020104020203" pitchFamily="34" charset="0"/>
-              </a:rPr>
-              <a:t> with public properties.</a:t>
-            </a:r>
-          </a:p>
-          <a:p>
-            <a:endParaRPr lang="da-DK" sz="2800" dirty="0">
-              <a:latin typeface="Gill Sans MT" panose="020B0502020104020203" pitchFamily="34" charset="0"/>
-            </a:endParaRPr>
-          </a:p>
-          <a:p>
-            <a:r>
-              <a:rPr lang="da-DK" sz="2800" dirty="0" err="1">
-                <a:latin typeface="Gill Sans MT" panose="020B0502020104020203" pitchFamily="34" charset="0"/>
-              </a:rPr>
-              <a:t>There</a:t>
-            </a:r>
-            <a:r>
-              <a:rPr lang="da-DK" sz="2800" dirty="0">
-                <a:latin typeface="Gill Sans MT" panose="020B0502020104020203" pitchFamily="34" charset="0"/>
-              </a:rPr>
-              <a:t> </a:t>
-            </a:r>
-            <a:r>
-              <a:rPr lang="da-DK" sz="2800" b="1" dirty="0">
-                <a:latin typeface="Gill Sans MT" panose="020B0502020104020203" pitchFamily="34" charset="0"/>
-              </a:rPr>
-              <a:t>must</a:t>
-            </a:r>
-            <a:r>
-              <a:rPr lang="da-DK" sz="2800" dirty="0">
-                <a:latin typeface="Gill Sans MT" panose="020B0502020104020203" pitchFamily="34" charset="0"/>
-              </a:rPr>
-              <a:t> </a:t>
-            </a:r>
-            <a:r>
-              <a:rPr lang="da-DK" sz="2800" dirty="0" err="1">
-                <a:latin typeface="Gill Sans MT" panose="020B0502020104020203" pitchFamily="34" charset="0"/>
-              </a:rPr>
-              <a:t>be</a:t>
-            </a:r>
-            <a:r>
-              <a:rPr lang="da-DK" sz="2800" dirty="0">
-                <a:latin typeface="Gill Sans MT" panose="020B0502020104020203" pitchFamily="34" charset="0"/>
-              </a:rPr>
-              <a:t> a </a:t>
-            </a:r>
-            <a:r>
-              <a:rPr lang="da-DK" sz="2800" dirty="0" err="1">
-                <a:latin typeface="Gill Sans MT" panose="020B0502020104020203" pitchFamily="34" charset="0"/>
-              </a:rPr>
-              <a:t>parameterless</a:t>
-            </a:r>
-            <a:r>
-              <a:rPr lang="da-DK" sz="2800" dirty="0">
-                <a:latin typeface="Gill Sans MT" panose="020B0502020104020203" pitchFamily="34" charset="0"/>
-              </a:rPr>
-              <a:t> </a:t>
-            </a:r>
-            <a:r>
-              <a:rPr lang="da-DK" sz="2800" dirty="0" err="1">
-                <a:latin typeface="Gill Sans MT" panose="020B0502020104020203" pitchFamily="34" charset="0"/>
-              </a:rPr>
-              <a:t>constructor</a:t>
-            </a:r>
-            <a:r>
-              <a:rPr lang="da-DK" sz="2800" dirty="0">
-                <a:latin typeface="Gill Sans MT" panose="020B0502020104020203" pitchFamily="34" charset="0"/>
-              </a:rPr>
-              <a:t>. But </a:t>
-            </a:r>
-            <a:r>
-              <a:rPr lang="da-DK" sz="2800" dirty="0" err="1">
-                <a:latin typeface="Gill Sans MT" panose="020B0502020104020203" pitchFamily="34" charset="0"/>
-              </a:rPr>
-              <a:t>you</a:t>
-            </a:r>
-            <a:r>
-              <a:rPr lang="da-DK" sz="2800" dirty="0">
-                <a:latin typeface="Gill Sans MT" panose="020B0502020104020203" pitchFamily="34" charset="0"/>
-              </a:rPr>
-              <a:t> </a:t>
-            </a:r>
-            <a:r>
-              <a:rPr lang="da-DK" sz="2800" dirty="0" err="1">
-                <a:latin typeface="Gill Sans MT" panose="020B0502020104020203" pitchFamily="34" charset="0"/>
-              </a:rPr>
-              <a:t>can</a:t>
-            </a:r>
-            <a:r>
-              <a:rPr lang="da-DK" sz="2800" dirty="0">
-                <a:latin typeface="Gill Sans MT" panose="020B0502020104020203" pitchFamily="34" charset="0"/>
-              </a:rPr>
-              <a:t> </a:t>
-            </a:r>
-            <a:r>
-              <a:rPr lang="da-DK" sz="2800" dirty="0" err="1">
-                <a:latin typeface="Gill Sans MT" panose="020B0502020104020203" pitchFamily="34" charset="0"/>
-              </a:rPr>
-              <a:t>add</a:t>
-            </a:r>
-            <a:r>
-              <a:rPr lang="da-DK" sz="2800" dirty="0">
-                <a:latin typeface="Gill Sans MT" panose="020B0502020104020203" pitchFamily="34" charset="0"/>
-              </a:rPr>
-              <a:t> </a:t>
-            </a:r>
-            <a:r>
-              <a:rPr lang="da-DK" sz="2800" dirty="0" err="1">
-                <a:latin typeface="Gill Sans MT" panose="020B0502020104020203" pitchFamily="34" charset="0"/>
-              </a:rPr>
-              <a:t>other</a:t>
-            </a:r>
-            <a:r>
-              <a:rPr lang="da-DK" sz="2800" dirty="0">
-                <a:latin typeface="Gill Sans MT" panose="020B0502020104020203" pitchFamily="34" charset="0"/>
-              </a:rPr>
-              <a:t> </a:t>
-            </a:r>
-            <a:r>
-              <a:rPr lang="da-DK" sz="2800" dirty="0" err="1">
-                <a:latin typeface="Gill Sans MT" panose="020B0502020104020203" pitchFamily="34" charset="0"/>
-              </a:rPr>
-              <a:t>constructors</a:t>
-            </a:r>
-            <a:r>
-              <a:rPr lang="da-DK" sz="2800" dirty="0">
-                <a:latin typeface="Gill Sans MT" panose="020B0502020104020203" pitchFamily="34" charset="0"/>
-              </a:rPr>
-              <a:t>.</a:t>
-            </a:r>
+            <a:endParaRPr lang="da-DK"/>
           </a:p>
         </p:txBody>
       </p:sp>
     </p:spTree>
     <p:extLst>
       <p:ext uri="{BB962C8B-B14F-4D97-AF65-F5344CB8AC3E}">
-        <p14:creationId xmlns:p14="http://schemas.microsoft.com/office/powerpoint/2010/main" val="2748677401"/>
+        <p14:creationId xmlns:p14="http://schemas.microsoft.com/office/powerpoint/2010/main" val="1836375504"/>
       </p:ext>
     </p:extLst>
   </p:cSld>
